--- a/HTML & CSS 101.pptx
+++ b/HTML & CSS 101.pptx
@@ -37,21 +37,28 @@
     <p:sldId id="282" r:id="rId32"/>
     <p:sldId id="283" r:id="rId33"/>
     <p:sldId id="284" r:id="rId34"/>
+    <p:sldId id="285" r:id="rId35"/>
+    <p:sldId id="286" r:id="rId36"/>
+    <p:sldId id="287" r:id="rId37"/>
+    <p:sldId id="288" r:id="rId38"/>
+    <p:sldId id="289" r:id="rId39"/>
+    <p:sldId id="290" r:id="rId40"/>
+    <p:sldId id="291" r:id="rId41"/>
   </p:sldIdLst>
   <p:sldSz cy="5143500" cx="9144000"/>
   <p:notesSz cx="6858000" cy="9144000"/>
   <p:embeddedFontLst>
     <p:embeddedFont>
       <p:font typeface="Amatic SC"/>
-      <p:regular r:id="rId35"/>
-      <p:bold r:id="rId36"/>
+      <p:regular r:id="rId42"/>
+      <p:bold r:id="rId43"/>
     </p:embeddedFont>
     <p:embeddedFont>
       <p:font typeface="Source Code Pro"/>
-      <p:regular r:id="rId37"/>
-      <p:bold r:id="rId38"/>
-      <p:italic r:id="rId39"/>
-      <p:boldItalic r:id="rId40"/>
+      <p:regular r:id="rId44"/>
+      <p:bold r:id="rId45"/>
+      <p:italic r:id="rId46"/>
+      <p:boldItalic r:id="rId47"/>
     </p:embeddedFont>
   </p:embeddedFontLst>
   <p:defaultTextStyle>
@@ -2628,7 +2635,7 @@
       </p:grpSpPr>
       <p:sp>
         <p:nvSpPr>
-          <p:cNvPr id="242" name="Google Shape;242;g30b19284832_0_159:notes"/>
+          <p:cNvPr id="242" name="Google Shape;242;g2d447e700cd_0_0:notes"/>
           <p:cNvSpPr/>
           <p:nvPr>
             <p:ph idx="2" type="sldImg"/>
@@ -2663,7 +2670,7 @@
       </p:sp>
       <p:sp>
         <p:nvSpPr>
-          <p:cNvPr id="243" name="Google Shape;243;g30b19284832_0_159:notes"/>
+          <p:cNvPr id="243" name="Google Shape;243;g2d447e700cd_0_0:notes"/>
           <p:cNvSpPr txBox="1"/>
           <p:nvPr>
             <p:ph idx="1" type="body"/>
@@ -2727,7 +2734,7 @@
       </p:grpSpPr>
       <p:sp>
         <p:nvSpPr>
-          <p:cNvPr id="247" name="Google Shape;247;g30b19284832_0_154:notes"/>
+          <p:cNvPr id="247" name="Google Shape;247;g2d447e700cd_0_4:notes"/>
           <p:cNvSpPr/>
           <p:nvPr>
             <p:ph idx="2" type="sldImg"/>
@@ -2762,7 +2769,7 @@
       </p:sp>
       <p:sp>
         <p:nvSpPr>
-          <p:cNvPr id="248" name="Google Shape;248;g30b19284832_0_154:notes"/>
+          <p:cNvPr id="248" name="Google Shape;248;g2d447e700cd_0_4:notes"/>
           <p:cNvSpPr txBox="1"/>
           <p:nvPr>
             <p:ph idx="1" type="body"/>
@@ -2812,7 +2819,7 @@
   <p:cSld>
     <p:spTree>
       <p:nvGrpSpPr>
-        <p:cNvPr id="258" name="Shape 258"/>
+        <p:cNvPr id="252" name="Shape 252"/>
         <p:cNvGrpSpPr/>
         <p:nvPr/>
       </p:nvGrpSpPr>
@@ -2826,7 +2833,7 @@
       </p:grpSpPr>
       <p:sp>
         <p:nvSpPr>
-          <p:cNvPr id="259" name="Google Shape;259;g30b19284832_0_169:notes"/>
+          <p:cNvPr id="253" name="Google Shape;253;g2d447e700cd_0_9:notes"/>
           <p:cNvSpPr/>
           <p:nvPr>
             <p:ph idx="2" type="sldImg"/>
@@ -2861,7 +2868,7 @@
       </p:sp>
       <p:sp>
         <p:nvSpPr>
-          <p:cNvPr id="260" name="Google Shape;260;g30b19284832_0_169:notes"/>
+          <p:cNvPr id="254" name="Google Shape;254;g2d447e700cd_0_9:notes"/>
           <p:cNvSpPr txBox="1"/>
           <p:nvPr>
             <p:ph idx="1" type="body"/>
@@ -2961,6 +2968,699 @@
       <p:sp>
         <p:nvSpPr>
           <p:cNvPr id="68" name="Google Shape;68;g30b16affe7d_0_48:notes"/>
+          <p:cNvSpPr txBox="1"/>
+          <p:nvPr>
+            <p:ph idx="1" type="body"/>
+          </p:nvPr>
+        </p:nvSpPr>
+        <p:spPr>
+          <a:xfrm>
+            <a:off x="685800" y="4343400"/>
+            <a:ext cx="5486400" cy="4114800"/>
+          </a:xfrm>
+          <a:prstGeom prst="rect">
+            <a:avLst/>
+          </a:prstGeom>
+        </p:spPr>
+        <p:txBody>
+          <a:bodyPr anchorCtr="0" anchor="t" bIns="91425" lIns="91425" spcFirstLastPara="1" rIns="91425" wrap="square" tIns="91425">
+            <a:noAutofit/>
+          </a:bodyPr>
+          <a:lstStyle/>
+          <a:p>
+            <a:pPr indent="0" lvl="0" marL="0" rtl="0" algn="l">
+              <a:spcBef>
+                <a:spcPts val="0"/>
+              </a:spcBef>
+              <a:spcAft>
+                <a:spcPts val="0"/>
+              </a:spcAft>
+              <a:buNone/>
+            </a:pPr>
+            <a:r>
+              <a:t/>
+            </a:r>
+            <a:endParaRPr/>
+          </a:p>
+        </p:txBody>
+      </p:sp>
+    </p:spTree>
+  </p:cSld>
+  <p:clrMapOvr>
+    <a:masterClrMapping/>
+  </p:clrMapOvr>
+</p:notes>
+</file>
+
+<file path=ppt/notesSlides/notesSlide30.xml><?xml version="1.0" encoding="utf-8"?>
+<p:notes xmlns:a="http://schemas.openxmlformats.org/drawingml/2006/main" xmlns:r="http://schemas.openxmlformats.org/officeDocument/2006/relationships" xmlns:mc="http://schemas.openxmlformats.org/markup-compatibility/2006" xmlns:mv="urn:schemas-microsoft-com:mac:vml" xmlns:p="http://schemas.openxmlformats.org/presentationml/2006/main" xmlns:c="http://schemas.openxmlformats.org/drawingml/2006/chart" xmlns:dgm="http://schemas.openxmlformats.org/drawingml/2006/diagram" xmlns:o="urn:schemas-microsoft-com:office:office" xmlns:v="urn:schemas-microsoft-com:vml" xmlns:pvml="urn:schemas-microsoft-com:office:powerpoint" xmlns:com="http://schemas.openxmlformats.org/drawingml/2006/compatibility" xmlns:p14="http://schemas.microsoft.com/office/powerpoint/2010/main" xmlns:p15="http://schemas.microsoft.com/office/powerpoint/2012/main" xmlns:ahyp="http://schemas.microsoft.com/office/drawing/2018/hyperlinkcolor" showMasterPhAnim="0" showMasterSp="0">
+  <p:cSld>
+    <p:spTree>
+      <p:nvGrpSpPr>
+        <p:cNvPr id="261" name="Shape 261"/>
+        <p:cNvGrpSpPr/>
+        <p:nvPr/>
+      </p:nvGrpSpPr>
+      <p:grpSpPr>
+        <a:xfrm>
+          <a:off x="0" y="0"/>
+          <a:ext cx="0" cy="0"/>
+          <a:chOff x="0" y="0"/>
+          <a:chExt cx="0" cy="0"/>
+        </a:xfrm>
+      </p:grpSpPr>
+      <p:sp>
+        <p:nvSpPr>
+          <p:cNvPr id="262" name="Google Shape;262;g2d447e700cd_0_17:notes"/>
+          <p:cNvSpPr/>
+          <p:nvPr>
+            <p:ph idx="2" type="sldImg"/>
+          </p:nvPr>
+        </p:nvSpPr>
+        <p:spPr>
+          <a:xfrm>
+            <a:off x="381300" y="685800"/>
+            <a:ext cx="6096000" cy="3429000"/>
+          </a:xfrm>
+          <a:custGeom>
+            <a:rect b="b" l="l" r="r" t="t"/>
+            <a:pathLst>
+              <a:path extrusionOk="0" h="120000" w="120000">
+                <a:moveTo>
+                  <a:pt x="0" y="0"/>
+                </a:moveTo>
+                <a:lnTo>
+                  <a:pt x="120000" y="0"/>
+                </a:lnTo>
+                <a:lnTo>
+                  <a:pt x="120000" y="120000"/>
+                </a:lnTo>
+                <a:lnTo>
+                  <a:pt x="0" y="120000"/>
+                </a:lnTo>
+                <a:close/>
+              </a:path>
+            </a:pathLst>
+          </a:custGeom>
+        </p:spPr>
+      </p:sp>
+      <p:sp>
+        <p:nvSpPr>
+          <p:cNvPr id="263" name="Google Shape;263;g2d447e700cd_0_17:notes"/>
+          <p:cNvSpPr txBox="1"/>
+          <p:nvPr>
+            <p:ph idx="1" type="body"/>
+          </p:nvPr>
+        </p:nvSpPr>
+        <p:spPr>
+          <a:xfrm>
+            <a:off x="685800" y="4343400"/>
+            <a:ext cx="5486400" cy="4114800"/>
+          </a:xfrm>
+          <a:prstGeom prst="rect">
+            <a:avLst/>
+          </a:prstGeom>
+        </p:spPr>
+        <p:txBody>
+          <a:bodyPr anchorCtr="0" anchor="t" bIns="91425" lIns="91425" spcFirstLastPara="1" rIns="91425" wrap="square" tIns="91425">
+            <a:noAutofit/>
+          </a:bodyPr>
+          <a:lstStyle/>
+          <a:p>
+            <a:pPr indent="0" lvl="0" marL="0" rtl="0" algn="l">
+              <a:spcBef>
+                <a:spcPts val="0"/>
+              </a:spcBef>
+              <a:spcAft>
+                <a:spcPts val="0"/>
+              </a:spcAft>
+              <a:buNone/>
+            </a:pPr>
+            <a:r>
+              <a:t/>
+            </a:r>
+            <a:endParaRPr/>
+          </a:p>
+        </p:txBody>
+      </p:sp>
+    </p:spTree>
+  </p:cSld>
+  <p:clrMapOvr>
+    <a:masterClrMapping/>
+  </p:clrMapOvr>
+</p:notes>
+</file>
+
+<file path=ppt/notesSlides/notesSlide31.xml><?xml version="1.0" encoding="utf-8"?>
+<p:notes xmlns:a="http://schemas.openxmlformats.org/drawingml/2006/main" xmlns:r="http://schemas.openxmlformats.org/officeDocument/2006/relationships" xmlns:mc="http://schemas.openxmlformats.org/markup-compatibility/2006" xmlns:mv="urn:schemas-microsoft-com:mac:vml" xmlns:p="http://schemas.openxmlformats.org/presentationml/2006/main" xmlns:c="http://schemas.openxmlformats.org/drawingml/2006/chart" xmlns:dgm="http://schemas.openxmlformats.org/drawingml/2006/diagram" xmlns:o="urn:schemas-microsoft-com:office:office" xmlns:v="urn:schemas-microsoft-com:vml" xmlns:pvml="urn:schemas-microsoft-com:office:powerpoint" xmlns:com="http://schemas.openxmlformats.org/drawingml/2006/compatibility" xmlns:p14="http://schemas.microsoft.com/office/powerpoint/2010/main" xmlns:p15="http://schemas.microsoft.com/office/powerpoint/2012/main" xmlns:ahyp="http://schemas.microsoft.com/office/drawing/2018/hyperlinkcolor" showMasterPhAnim="0" showMasterSp="0">
+  <p:cSld>
+    <p:spTree>
+      <p:nvGrpSpPr>
+        <p:cNvPr id="269" name="Shape 269"/>
+        <p:cNvGrpSpPr/>
+        <p:nvPr/>
+      </p:nvGrpSpPr>
+      <p:grpSpPr>
+        <a:xfrm>
+          <a:off x="0" y="0"/>
+          <a:ext cx="0" cy="0"/>
+          <a:chOff x="0" y="0"/>
+          <a:chExt cx="0" cy="0"/>
+        </a:xfrm>
+      </p:grpSpPr>
+      <p:sp>
+        <p:nvSpPr>
+          <p:cNvPr id="270" name="Google Shape;270;g2d447e700cd_0_25:notes"/>
+          <p:cNvSpPr/>
+          <p:nvPr>
+            <p:ph idx="2" type="sldImg"/>
+          </p:nvPr>
+        </p:nvSpPr>
+        <p:spPr>
+          <a:xfrm>
+            <a:off x="381300" y="685800"/>
+            <a:ext cx="6096000" cy="3429000"/>
+          </a:xfrm>
+          <a:custGeom>
+            <a:rect b="b" l="l" r="r" t="t"/>
+            <a:pathLst>
+              <a:path extrusionOk="0" h="120000" w="120000">
+                <a:moveTo>
+                  <a:pt x="0" y="0"/>
+                </a:moveTo>
+                <a:lnTo>
+                  <a:pt x="120000" y="0"/>
+                </a:lnTo>
+                <a:lnTo>
+                  <a:pt x="120000" y="120000"/>
+                </a:lnTo>
+                <a:lnTo>
+                  <a:pt x="0" y="120000"/>
+                </a:lnTo>
+                <a:close/>
+              </a:path>
+            </a:pathLst>
+          </a:custGeom>
+        </p:spPr>
+      </p:sp>
+      <p:sp>
+        <p:nvSpPr>
+          <p:cNvPr id="271" name="Google Shape;271;g2d447e700cd_0_25:notes"/>
+          <p:cNvSpPr txBox="1"/>
+          <p:nvPr>
+            <p:ph idx="1" type="body"/>
+          </p:nvPr>
+        </p:nvSpPr>
+        <p:spPr>
+          <a:xfrm>
+            <a:off x="685800" y="4343400"/>
+            <a:ext cx="5486400" cy="4114800"/>
+          </a:xfrm>
+          <a:prstGeom prst="rect">
+            <a:avLst/>
+          </a:prstGeom>
+        </p:spPr>
+        <p:txBody>
+          <a:bodyPr anchorCtr="0" anchor="t" bIns="91425" lIns="91425" spcFirstLastPara="1" rIns="91425" wrap="square" tIns="91425">
+            <a:noAutofit/>
+          </a:bodyPr>
+          <a:lstStyle/>
+          <a:p>
+            <a:pPr indent="0" lvl="0" marL="0" rtl="0" algn="l">
+              <a:spcBef>
+                <a:spcPts val="0"/>
+              </a:spcBef>
+              <a:spcAft>
+                <a:spcPts val="0"/>
+              </a:spcAft>
+              <a:buNone/>
+            </a:pPr>
+            <a:r>
+              <a:t/>
+            </a:r>
+            <a:endParaRPr/>
+          </a:p>
+        </p:txBody>
+      </p:sp>
+    </p:spTree>
+  </p:cSld>
+  <p:clrMapOvr>
+    <a:masterClrMapping/>
+  </p:clrMapOvr>
+</p:notes>
+</file>
+
+<file path=ppt/notesSlides/notesSlide32.xml><?xml version="1.0" encoding="utf-8"?>
+<p:notes xmlns:a="http://schemas.openxmlformats.org/drawingml/2006/main" xmlns:r="http://schemas.openxmlformats.org/officeDocument/2006/relationships" xmlns:mc="http://schemas.openxmlformats.org/markup-compatibility/2006" xmlns:mv="urn:schemas-microsoft-com:mac:vml" xmlns:p="http://schemas.openxmlformats.org/presentationml/2006/main" xmlns:c="http://schemas.openxmlformats.org/drawingml/2006/chart" xmlns:dgm="http://schemas.openxmlformats.org/drawingml/2006/diagram" xmlns:o="urn:schemas-microsoft-com:office:office" xmlns:v="urn:schemas-microsoft-com:vml" xmlns:pvml="urn:schemas-microsoft-com:office:powerpoint" xmlns:com="http://schemas.openxmlformats.org/drawingml/2006/compatibility" xmlns:p14="http://schemas.microsoft.com/office/powerpoint/2010/main" xmlns:p15="http://schemas.microsoft.com/office/powerpoint/2012/main" xmlns:ahyp="http://schemas.microsoft.com/office/drawing/2018/hyperlinkcolor" showMasterPhAnim="0" showMasterSp="0">
+  <p:cSld>
+    <p:spTree>
+      <p:nvGrpSpPr>
+        <p:cNvPr id="277" name="Shape 277"/>
+        <p:cNvGrpSpPr/>
+        <p:nvPr/>
+      </p:nvGrpSpPr>
+      <p:grpSpPr>
+        <a:xfrm>
+          <a:off x="0" y="0"/>
+          <a:ext cx="0" cy="0"/>
+          <a:chOff x="0" y="0"/>
+          <a:chExt cx="0" cy="0"/>
+        </a:xfrm>
+      </p:grpSpPr>
+      <p:sp>
+        <p:nvSpPr>
+          <p:cNvPr id="278" name="Google Shape;278;g2d447e700cd_0_33:notes"/>
+          <p:cNvSpPr/>
+          <p:nvPr>
+            <p:ph idx="2" type="sldImg"/>
+          </p:nvPr>
+        </p:nvSpPr>
+        <p:spPr>
+          <a:xfrm>
+            <a:off x="381300" y="685800"/>
+            <a:ext cx="6096000" cy="3429000"/>
+          </a:xfrm>
+          <a:custGeom>
+            <a:rect b="b" l="l" r="r" t="t"/>
+            <a:pathLst>
+              <a:path extrusionOk="0" h="120000" w="120000">
+                <a:moveTo>
+                  <a:pt x="0" y="0"/>
+                </a:moveTo>
+                <a:lnTo>
+                  <a:pt x="120000" y="0"/>
+                </a:lnTo>
+                <a:lnTo>
+                  <a:pt x="120000" y="120000"/>
+                </a:lnTo>
+                <a:lnTo>
+                  <a:pt x="0" y="120000"/>
+                </a:lnTo>
+                <a:close/>
+              </a:path>
+            </a:pathLst>
+          </a:custGeom>
+        </p:spPr>
+      </p:sp>
+      <p:sp>
+        <p:nvSpPr>
+          <p:cNvPr id="279" name="Google Shape;279;g2d447e700cd_0_33:notes"/>
+          <p:cNvSpPr txBox="1"/>
+          <p:nvPr>
+            <p:ph idx="1" type="body"/>
+          </p:nvPr>
+        </p:nvSpPr>
+        <p:spPr>
+          <a:xfrm>
+            <a:off x="685800" y="4343400"/>
+            <a:ext cx="5486400" cy="4114800"/>
+          </a:xfrm>
+          <a:prstGeom prst="rect">
+            <a:avLst/>
+          </a:prstGeom>
+        </p:spPr>
+        <p:txBody>
+          <a:bodyPr anchorCtr="0" anchor="t" bIns="91425" lIns="91425" spcFirstLastPara="1" rIns="91425" wrap="square" tIns="91425">
+            <a:noAutofit/>
+          </a:bodyPr>
+          <a:lstStyle/>
+          <a:p>
+            <a:pPr indent="0" lvl="0" marL="0" rtl="0" algn="l">
+              <a:spcBef>
+                <a:spcPts val="0"/>
+              </a:spcBef>
+              <a:spcAft>
+                <a:spcPts val="0"/>
+              </a:spcAft>
+              <a:buNone/>
+            </a:pPr>
+            <a:r>
+              <a:t/>
+            </a:r>
+            <a:endParaRPr/>
+          </a:p>
+        </p:txBody>
+      </p:sp>
+    </p:spTree>
+  </p:cSld>
+  <p:clrMapOvr>
+    <a:masterClrMapping/>
+  </p:clrMapOvr>
+</p:notes>
+</file>
+
+<file path=ppt/notesSlides/notesSlide33.xml><?xml version="1.0" encoding="utf-8"?>
+<p:notes xmlns:a="http://schemas.openxmlformats.org/drawingml/2006/main" xmlns:r="http://schemas.openxmlformats.org/officeDocument/2006/relationships" xmlns:mc="http://schemas.openxmlformats.org/markup-compatibility/2006" xmlns:mv="urn:schemas-microsoft-com:mac:vml" xmlns:p="http://schemas.openxmlformats.org/presentationml/2006/main" xmlns:c="http://schemas.openxmlformats.org/drawingml/2006/chart" xmlns:dgm="http://schemas.openxmlformats.org/drawingml/2006/diagram" xmlns:o="urn:schemas-microsoft-com:office:office" xmlns:v="urn:schemas-microsoft-com:vml" xmlns:pvml="urn:schemas-microsoft-com:office:powerpoint" xmlns:com="http://schemas.openxmlformats.org/drawingml/2006/compatibility" xmlns:p14="http://schemas.microsoft.com/office/powerpoint/2010/main" xmlns:p15="http://schemas.microsoft.com/office/powerpoint/2012/main" xmlns:ahyp="http://schemas.microsoft.com/office/drawing/2018/hyperlinkcolor" showMasterPhAnim="0" showMasterSp="0">
+  <p:cSld>
+    <p:spTree>
+      <p:nvGrpSpPr>
+        <p:cNvPr id="284" name="Shape 284"/>
+        <p:cNvGrpSpPr/>
+        <p:nvPr/>
+      </p:nvGrpSpPr>
+      <p:grpSpPr>
+        <a:xfrm>
+          <a:off x="0" y="0"/>
+          <a:ext cx="0" cy="0"/>
+          <a:chOff x="0" y="0"/>
+          <a:chExt cx="0" cy="0"/>
+        </a:xfrm>
+      </p:grpSpPr>
+      <p:sp>
+        <p:nvSpPr>
+          <p:cNvPr id="285" name="Google Shape;285;g2d447e700cd_0_39:notes"/>
+          <p:cNvSpPr/>
+          <p:nvPr>
+            <p:ph idx="2" type="sldImg"/>
+          </p:nvPr>
+        </p:nvSpPr>
+        <p:spPr>
+          <a:xfrm>
+            <a:off x="381300" y="685800"/>
+            <a:ext cx="6096000" cy="3429000"/>
+          </a:xfrm>
+          <a:custGeom>
+            <a:rect b="b" l="l" r="r" t="t"/>
+            <a:pathLst>
+              <a:path extrusionOk="0" h="120000" w="120000">
+                <a:moveTo>
+                  <a:pt x="0" y="0"/>
+                </a:moveTo>
+                <a:lnTo>
+                  <a:pt x="120000" y="0"/>
+                </a:lnTo>
+                <a:lnTo>
+                  <a:pt x="120000" y="120000"/>
+                </a:lnTo>
+                <a:lnTo>
+                  <a:pt x="0" y="120000"/>
+                </a:lnTo>
+                <a:close/>
+              </a:path>
+            </a:pathLst>
+          </a:custGeom>
+        </p:spPr>
+      </p:sp>
+      <p:sp>
+        <p:nvSpPr>
+          <p:cNvPr id="286" name="Google Shape;286;g2d447e700cd_0_39:notes"/>
+          <p:cNvSpPr txBox="1"/>
+          <p:nvPr>
+            <p:ph idx="1" type="body"/>
+          </p:nvPr>
+        </p:nvSpPr>
+        <p:spPr>
+          <a:xfrm>
+            <a:off x="685800" y="4343400"/>
+            <a:ext cx="5486400" cy="4114800"/>
+          </a:xfrm>
+          <a:prstGeom prst="rect">
+            <a:avLst/>
+          </a:prstGeom>
+        </p:spPr>
+        <p:txBody>
+          <a:bodyPr anchorCtr="0" anchor="t" bIns="91425" lIns="91425" spcFirstLastPara="1" rIns="91425" wrap="square" tIns="91425">
+            <a:noAutofit/>
+          </a:bodyPr>
+          <a:lstStyle/>
+          <a:p>
+            <a:pPr indent="0" lvl="0" marL="0" rtl="0" algn="l">
+              <a:spcBef>
+                <a:spcPts val="0"/>
+              </a:spcBef>
+              <a:spcAft>
+                <a:spcPts val="0"/>
+              </a:spcAft>
+              <a:buNone/>
+            </a:pPr>
+            <a:r>
+              <a:t/>
+            </a:r>
+            <a:endParaRPr/>
+          </a:p>
+        </p:txBody>
+      </p:sp>
+    </p:spTree>
+  </p:cSld>
+  <p:clrMapOvr>
+    <a:masterClrMapping/>
+  </p:clrMapOvr>
+</p:notes>
+</file>
+
+<file path=ppt/notesSlides/notesSlide34.xml><?xml version="1.0" encoding="utf-8"?>
+<p:notes xmlns:a="http://schemas.openxmlformats.org/drawingml/2006/main" xmlns:r="http://schemas.openxmlformats.org/officeDocument/2006/relationships" xmlns:mc="http://schemas.openxmlformats.org/markup-compatibility/2006" xmlns:mv="urn:schemas-microsoft-com:mac:vml" xmlns:p="http://schemas.openxmlformats.org/presentationml/2006/main" xmlns:c="http://schemas.openxmlformats.org/drawingml/2006/chart" xmlns:dgm="http://schemas.openxmlformats.org/drawingml/2006/diagram" xmlns:o="urn:schemas-microsoft-com:office:office" xmlns:v="urn:schemas-microsoft-com:vml" xmlns:pvml="urn:schemas-microsoft-com:office:powerpoint" xmlns:com="http://schemas.openxmlformats.org/drawingml/2006/compatibility" xmlns:p14="http://schemas.microsoft.com/office/powerpoint/2010/main" xmlns:p15="http://schemas.microsoft.com/office/powerpoint/2012/main" xmlns:ahyp="http://schemas.microsoft.com/office/drawing/2018/hyperlinkcolor" showMasterPhAnim="0" showMasterSp="0">
+  <p:cSld>
+    <p:spTree>
+      <p:nvGrpSpPr>
+        <p:cNvPr id="290" name="Shape 290"/>
+        <p:cNvGrpSpPr/>
+        <p:nvPr/>
+      </p:nvGrpSpPr>
+      <p:grpSpPr>
+        <a:xfrm>
+          <a:off x="0" y="0"/>
+          <a:ext cx="0" cy="0"/>
+          <a:chOff x="0" y="0"/>
+          <a:chExt cx="0" cy="0"/>
+        </a:xfrm>
+      </p:grpSpPr>
+      <p:sp>
+        <p:nvSpPr>
+          <p:cNvPr id="291" name="Google Shape;291;g30b19284832_0_159:notes"/>
+          <p:cNvSpPr/>
+          <p:nvPr>
+            <p:ph idx="2" type="sldImg"/>
+          </p:nvPr>
+        </p:nvSpPr>
+        <p:spPr>
+          <a:xfrm>
+            <a:off x="381300" y="685800"/>
+            <a:ext cx="6096000" cy="3429000"/>
+          </a:xfrm>
+          <a:custGeom>
+            <a:rect b="b" l="l" r="r" t="t"/>
+            <a:pathLst>
+              <a:path extrusionOk="0" h="120000" w="120000">
+                <a:moveTo>
+                  <a:pt x="0" y="0"/>
+                </a:moveTo>
+                <a:lnTo>
+                  <a:pt x="120000" y="0"/>
+                </a:lnTo>
+                <a:lnTo>
+                  <a:pt x="120000" y="120000"/>
+                </a:lnTo>
+                <a:lnTo>
+                  <a:pt x="0" y="120000"/>
+                </a:lnTo>
+                <a:close/>
+              </a:path>
+            </a:pathLst>
+          </a:custGeom>
+        </p:spPr>
+      </p:sp>
+      <p:sp>
+        <p:nvSpPr>
+          <p:cNvPr id="292" name="Google Shape;292;g30b19284832_0_159:notes"/>
+          <p:cNvSpPr txBox="1"/>
+          <p:nvPr>
+            <p:ph idx="1" type="body"/>
+          </p:nvPr>
+        </p:nvSpPr>
+        <p:spPr>
+          <a:xfrm>
+            <a:off x="685800" y="4343400"/>
+            <a:ext cx="5486400" cy="4114800"/>
+          </a:xfrm>
+          <a:prstGeom prst="rect">
+            <a:avLst/>
+          </a:prstGeom>
+        </p:spPr>
+        <p:txBody>
+          <a:bodyPr anchorCtr="0" anchor="t" bIns="91425" lIns="91425" spcFirstLastPara="1" rIns="91425" wrap="square" tIns="91425">
+            <a:noAutofit/>
+          </a:bodyPr>
+          <a:lstStyle/>
+          <a:p>
+            <a:pPr indent="0" lvl="0" marL="0" rtl="0" algn="l">
+              <a:spcBef>
+                <a:spcPts val="0"/>
+              </a:spcBef>
+              <a:spcAft>
+                <a:spcPts val="0"/>
+              </a:spcAft>
+              <a:buNone/>
+            </a:pPr>
+            <a:r>
+              <a:t/>
+            </a:r>
+            <a:endParaRPr/>
+          </a:p>
+        </p:txBody>
+      </p:sp>
+    </p:spTree>
+  </p:cSld>
+  <p:clrMapOvr>
+    <a:masterClrMapping/>
+  </p:clrMapOvr>
+</p:notes>
+</file>
+
+<file path=ppt/notesSlides/notesSlide35.xml><?xml version="1.0" encoding="utf-8"?>
+<p:notes xmlns:a="http://schemas.openxmlformats.org/drawingml/2006/main" xmlns:r="http://schemas.openxmlformats.org/officeDocument/2006/relationships" xmlns:mc="http://schemas.openxmlformats.org/markup-compatibility/2006" xmlns:mv="urn:schemas-microsoft-com:mac:vml" xmlns:p="http://schemas.openxmlformats.org/presentationml/2006/main" xmlns:c="http://schemas.openxmlformats.org/drawingml/2006/chart" xmlns:dgm="http://schemas.openxmlformats.org/drawingml/2006/diagram" xmlns:o="urn:schemas-microsoft-com:office:office" xmlns:v="urn:schemas-microsoft-com:vml" xmlns:pvml="urn:schemas-microsoft-com:office:powerpoint" xmlns:com="http://schemas.openxmlformats.org/drawingml/2006/compatibility" xmlns:p14="http://schemas.microsoft.com/office/powerpoint/2010/main" xmlns:p15="http://schemas.microsoft.com/office/powerpoint/2012/main" xmlns:ahyp="http://schemas.microsoft.com/office/drawing/2018/hyperlinkcolor" showMasterPhAnim="0" showMasterSp="0">
+  <p:cSld>
+    <p:spTree>
+      <p:nvGrpSpPr>
+        <p:cNvPr id="295" name="Shape 295"/>
+        <p:cNvGrpSpPr/>
+        <p:nvPr/>
+      </p:nvGrpSpPr>
+      <p:grpSpPr>
+        <a:xfrm>
+          <a:off x="0" y="0"/>
+          <a:ext cx="0" cy="0"/>
+          <a:chOff x="0" y="0"/>
+          <a:chExt cx="0" cy="0"/>
+        </a:xfrm>
+      </p:grpSpPr>
+      <p:sp>
+        <p:nvSpPr>
+          <p:cNvPr id="296" name="Google Shape;296;g30b19284832_0_154:notes"/>
+          <p:cNvSpPr/>
+          <p:nvPr>
+            <p:ph idx="2" type="sldImg"/>
+          </p:nvPr>
+        </p:nvSpPr>
+        <p:spPr>
+          <a:xfrm>
+            <a:off x="381300" y="685800"/>
+            <a:ext cx="6096000" cy="3429000"/>
+          </a:xfrm>
+          <a:custGeom>
+            <a:rect b="b" l="l" r="r" t="t"/>
+            <a:pathLst>
+              <a:path extrusionOk="0" h="120000" w="120000">
+                <a:moveTo>
+                  <a:pt x="0" y="0"/>
+                </a:moveTo>
+                <a:lnTo>
+                  <a:pt x="120000" y="0"/>
+                </a:lnTo>
+                <a:lnTo>
+                  <a:pt x="120000" y="120000"/>
+                </a:lnTo>
+                <a:lnTo>
+                  <a:pt x="0" y="120000"/>
+                </a:lnTo>
+                <a:close/>
+              </a:path>
+            </a:pathLst>
+          </a:custGeom>
+        </p:spPr>
+      </p:sp>
+      <p:sp>
+        <p:nvSpPr>
+          <p:cNvPr id="297" name="Google Shape;297;g30b19284832_0_154:notes"/>
+          <p:cNvSpPr txBox="1"/>
+          <p:nvPr>
+            <p:ph idx="1" type="body"/>
+          </p:nvPr>
+        </p:nvSpPr>
+        <p:spPr>
+          <a:xfrm>
+            <a:off x="685800" y="4343400"/>
+            <a:ext cx="5486400" cy="4114800"/>
+          </a:xfrm>
+          <a:prstGeom prst="rect">
+            <a:avLst/>
+          </a:prstGeom>
+        </p:spPr>
+        <p:txBody>
+          <a:bodyPr anchorCtr="0" anchor="t" bIns="91425" lIns="91425" spcFirstLastPara="1" rIns="91425" wrap="square" tIns="91425">
+            <a:noAutofit/>
+          </a:bodyPr>
+          <a:lstStyle/>
+          <a:p>
+            <a:pPr indent="0" lvl="0" marL="0" rtl="0" algn="l">
+              <a:spcBef>
+                <a:spcPts val="0"/>
+              </a:spcBef>
+              <a:spcAft>
+                <a:spcPts val="0"/>
+              </a:spcAft>
+              <a:buNone/>
+            </a:pPr>
+            <a:r>
+              <a:t/>
+            </a:r>
+            <a:endParaRPr/>
+          </a:p>
+        </p:txBody>
+      </p:sp>
+    </p:spTree>
+  </p:cSld>
+  <p:clrMapOvr>
+    <a:masterClrMapping/>
+  </p:clrMapOvr>
+</p:notes>
+</file>
+
+<file path=ppt/notesSlides/notesSlide36.xml><?xml version="1.0" encoding="utf-8"?>
+<p:notes xmlns:a="http://schemas.openxmlformats.org/drawingml/2006/main" xmlns:r="http://schemas.openxmlformats.org/officeDocument/2006/relationships" xmlns:mc="http://schemas.openxmlformats.org/markup-compatibility/2006" xmlns:mv="urn:schemas-microsoft-com:mac:vml" xmlns:p="http://schemas.openxmlformats.org/presentationml/2006/main" xmlns:c="http://schemas.openxmlformats.org/drawingml/2006/chart" xmlns:dgm="http://schemas.openxmlformats.org/drawingml/2006/diagram" xmlns:o="urn:schemas-microsoft-com:office:office" xmlns:v="urn:schemas-microsoft-com:vml" xmlns:pvml="urn:schemas-microsoft-com:office:powerpoint" xmlns:com="http://schemas.openxmlformats.org/drawingml/2006/compatibility" xmlns:p14="http://schemas.microsoft.com/office/powerpoint/2010/main" xmlns:p15="http://schemas.microsoft.com/office/powerpoint/2012/main" xmlns:ahyp="http://schemas.microsoft.com/office/drawing/2018/hyperlinkcolor" showMasterPhAnim="0" showMasterSp="0">
+  <p:cSld>
+    <p:spTree>
+      <p:nvGrpSpPr>
+        <p:cNvPr id="307" name="Shape 307"/>
+        <p:cNvGrpSpPr/>
+        <p:nvPr/>
+      </p:nvGrpSpPr>
+      <p:grpSpPr>
+        <a:xfrm>
+          <a:off x="0" y="0"/>
+          <a:ext cx="0" cy="0"/>
+          <a:chOff x="0" y="0"/>
+          <a:chExt cx="0" cy="0"/>
+        </a:xfrm>
+      </p:grpSpPr>
+      <p:sp>
+        <p:nvSpPr>
+          <p:cNvPr id="308" name="Google Shape;308;g30b19284832_0_169:notes"/>
+          <p:cNvSpPr/>
+          <p:nvPr>
+            <p:ph idx="2" type="sldImg"/>
+          </p:nvPr>
+        </p:nvSpPr>
+        <p:spPr>
+          <a:xfrm>
+            <a:off x="381300" y="685800"/>
+            <a:ext cx="6096000" cy="3429000"/>
+          </a:xfrm>
+          <a:custGeom>
+            <a:rect b="b" l="l" r="r" t="t"/>
+            <a:pathLst>
+              <a:path extrusionOk="0" h="120000" w="120000">
+                <a:moveTo>
+                  <a:pt x="0" y="0"/>
+                </a:moveTo>
+                <a:lnTo>
+                  <a:pt x="120000" y="0"/>
+                </a:lnTo>
+                <a:lnTo>
+                  <a:pt x="120000" y="120000"/>
+                </a:lnTo>
+                <a:lnTo>
+                  <a:pt x="0" y="120000"/>
+                </a:lnTo>
+                <a:close/>
+              </a:path>
+            </a:pathLst>
+          </a:custGeom>
+        </p:spPr>
+      </p:sp>
+      <p:sp>
+        <p:nvSpPr>
+          <p:cNvPr id="309" name="Google Shape;309;g30b19284832_0_169:notes"/>
           <p:cNvSpPr txBox="1"/>
           <p:nvPr>
             <p:ph idx="1" type="body"/>
@@ -17197,7 +17897,7 @@
             </a:pPr>
             <a:r>
               <a:rPr lang="bg"/>
-              <a:t>homework</a:t>
+              <a:t>Useful </a:t>
             </a:r>
             <a:endParaRPr/>
           </a:p>
@@ -17213,11 +17913,7 @@
             </a:pPr>
             <a:r>
               <a:rPr lang="bg"/>
-              <a:t>time</a:t>
-            </a:r>
-            <a:r>
-              <a:rPr lang="bg"/>
-              <a:t>🥳</a:t>
+              <a:t>features of css</a:t>
             </a:r>
             <a:endParaRPr/>
           </a:p>
@@ -17249,7 +17945,7 @@
                             </p:stCondLst>
                             <p:childTnLst>
                               <p:par>
-                                <p:cTn fill="hold" nodeType="clickEffect" presetClass="entr" presetID="23" presetSubtype="16">
+                                <p:cTn fill="hold" nodeType="clickEffect" presetClass="entr" presetID="10" presetSubtype="0">
                                   <p:stCondLst>
                                     <p:cond delay="0"/>
                                   </p:stCondLst>
@@ -17272,52 +17968,14 @@
                                         <p:strVal val="visible"/>
                                       </p:to>
                                     </p:set>
-                                    <p:anim calcmode="lin" valueType="num">
-                                      <p:cBhvr additive="base">
+                                    <p:animEffect filter="fade" transition="in">
+                                      <p:cBhvr>
                                         <p:cTn dur="1000"/>
                                         <p:tgtEl>
                                           <p:spTgt spid="245"/>
                                         </p:tgtEl>
-                                        <p:attrNameLst>
-                                          <p:attrName>ppt_w</p:attrName>
-                                        </p:attrNameLst>
                                       </p:cBhvr>
-                                      <p:tavLst>
-                                        <p:tav fmla="" tm="0">
-                                          <p:val>
-                                            <p:strVal val="0"/>
-                                          </p:val>
-                                        </p:tav>
-                                        <p:tav fmla="" tm="100000">
-                                          <p:val>
-                                            <p:strVal val="#ppt_w"/>
-                                          </p:val>
-                                        </p:tav>
-                                      </p:tavLst>
-                                    </p:anim>
-                                    <p:anim calcmode="lin" valueType="num">
-                                      <p:cBhvr additive="base">
-                                        <p:cTn dur="1000"/>
-                                        <p:tgtEl>
-                                          <p:spTgt spid="245"/>
-                                        </p:tgtEl>
-                                        <p:attrNameLst>
-                                          <p:attrName>ppt_h</p:attrName>
-                                        </p:attrNameLst>
-                                      </p:cBhvr>
-                                      <p:tavLst>
-                                        <p:tav fmla="" tm="0">
-                                          <p:val>
-                                            <p:strVal val="0"/>
-                                          </p:val>
-                                        </p:tav>
-                                        <p:tav fmla="" tm="100000">
-                                          <p:val>
-                                            <p:strVal val="#ppt_h"/>
-                                          </p:val>
-                                        </p:tav>
-                                      </p:tavLst>
-                                    </p:anim>
+                                    </p:animEffect>
                                   </p:childTnLst>
                                 </p:cTn>
                               </p:par>
@@ -17388,7 +18046,7 @@
         </p:spPr>
         <p:txBody>
           <a:bodyPr anchorCtr="0" anchor="t" bIns="91425" lIns="91425" spcFirstLastPara="1" rIns="91425" wrap="square" tIns="91425">
-            <a:normAutofit fontScale="90000"/>
+            <a:noAutofit/>
           </a:bodyPr>
           <a:lstStyle/>
           <a:p>
@@ -17399,13 +18057,14 @@
               <a:spcAft>
                 <a:spcPts val="0"/>
               </a:spcAft>
+              <a:buSzPts val="990"/>
               <a:buNone/>
             </a:pPr>
             <a:r>
-              <a:rPr lang="bg"/>
-              <a:t>Homework:</a:t>
-            </a:r>
-            <a:endParaRPr/>
+              <a:rPr lang="bg" sz="4080"/>
+              <a:t>Useful features of css - The strong element</a:t>
+            </a:r>
+            <a:endParaRPr sz="4080"/>
           </a:p>
         </p:txBody>
       </p:sp>
@@ -17437,7 +18096,7 @@
                 <a:spcPts val="0"/>
               </a:spcBef>
               <a:spcAft>
-                <a:spcPts val="1200"/>
+                <a:spcPts val="0"/>
               </a:spcAft>
               <a:buNone/>
             </a:pPr>
@@ -17447,119 +18106,23 @@
                   <a:schemeClr val="accent1"/>
                 </a:solidFill>
               </a:rPr>
-              <a:t>Create the following button based on the </a:t>
+              <a:t>One useful feature in css is the </a:t>
             </a:r>
             <a:r>
               <a:rPr lang="bg">
                 <a:solidFill>
+                  <a:schemeClr val="accent5"/>
+                </a:solidFill>
+              </a:rPr>
+              <a:t>&lt;strong&gt;&lt;/strong&gt;</a:t>
+            </a:r>
+            <a:r>
+              <a:rPr lang="bg">
+                <a:solidFill>
                   <a:schemeClr val="accent1"/>
                 </a:solidFill>
               </a:rPr>
-              <a:t>knowledge</a:t>
-            </a:r>
-            <a:r>
-              <a:rPr lang="bg">
-                <a:solidFill>
-                  <a:schemeClr val="accent1"/>
-                </a:solidFill>
-              </a:rPr>
-              <a:t> you </a:t>
-            </a:r>
-            <a:r>
-              <a:rPr lang="bg">
-                <a:solidFill>
-                  <a:schemeClr val="accent1"/>
-                </a:solidFill>
-              </a:rPr>
-              <a:t>acquired</a:t>
-            </a:r>
-            <a:r>
-              <a:rPr lang="bg">
-                <a:solidFill>
-                  <a:schemeClr val="accent1"/>
-                </a:solidFill>
-              </a:rPr>
-              <a:t> today. Use flexbox to </a:t>
-            </a:r>
-            <a:r>
-              <a:rPr lang="bg">
-                <a:solidFill>
-                  <a:schemeClr val="accent5"/>
-                </a:solidFill>
-              </a:rPr>
-              <a:t>center the button</a:t>
-            </a:r>
-            <a:r>
-              <a:rPr lang="bg">
-                <a:solidFill>
-                  <a:schemeClr val="accent1"/>
-                </a:solidFill>
-              </a:rPr>
-              <a:t> both horizontally and vertically. The button does not have a border so use </a:t>
-            </a:r>
-            <a:r>
-              <a:rPr lang="bg">
-                <a:solidFill>
-                  <a:schemeClr val="accent5"/>
-                </a:solidFill>
-              </a:rPr>
-              <a:t>border:none;</a:t>
-            </a:r>
-            <a:r>
-              <a:rPr lang="bg">
-                <a:solidFill>
-                  <a:schemeClr val="accent1"/>
-                </a:solidFill>
-              </a:rPr>
-              <a:t>. For the color use </a:t>
-            </a:r>
-            <a:r>
-              <a:rPr lang="bg">
-                <a:solidFill>
-                  <a:schemeClr val="accent5"/>
-                </a:solidFill>
-              </a:rPr>
-              <a:t>red</a:t>
-            </a:r>
-            <a:r>
-              <a:rPr lang="bg">
-                <a:solidFill>
-                  <a:schemeClr val="accent1"/>
-                </a:solidFill>
-              </a:rPr>
-              <a:t>. Make the </a:t>
-            </a:r>
-            <a:r>
-              <a:rPr lang="bg">
-                <a:solidFill>
-                  <a:schemeClr val="accent5"/>
-                </a:solidFill>
-              </a:rPr>
-              <a:t>cursor pointer </a:t>
-            </a:r>
-            <a:r>
-              <a:rPr lang="bg">
-                <a:solidFill>
-                  <a:schemeClr val="accent1"/>
-                </a:solidFill>
-              </a:rPr>
-              <a:t>and all transitions should be </a:t>
-            </a:r>
-            <a:r>
-              <a:rPr lang="bg">
-                <a:solidFill>
-                  <a:schemeClr val="accent5"/>
-                </a:solidFill>
-              </a:rPr>
-              <a:t>0.15s</a:t>
-            </a:r>
-            <a:r>
-              <a:rPr lang="bg">
-                <a:solidFill>
-                  <a:schemeClr val="accent1"/>
-                </a:solidFill>
-              </a:rPr>
-              <a:t>!</a:t>
+              <a:t> element.</a:t>
             </a:r>
             <a:endParaRPr>
               <a:solidFill>
@@ -17567,120 +18130,10 @@
               </a:solidFill>
             </a:endParaRPr>
           </a:p>
-        </p:txBody>
-      </p:sp>
-      <p:pic>
-        <p:nvPicPr>
-          <p:cNvPr id="252" name="Google Shape;252;p40"/>
-          <p:cNvPicPr preferRelativeResize="0"/>
-          <p:nvPr/>
-        </p:nvPicPr>
-        <p:blipFill>
-          <a:blip r:embed="rId3">
-            <a:alphaModFix/>
-          </a:blip>
-          <a:stretch>
-            <a:fillRect/>
-          </a:stretch>
-        </p:blipFill>
-        <p:spPr>
-          <a:xfrm>
-            <a:off x="311725" y="3096025"/>
-            <a:ext cx="2519575" cy="1056925"/>
-          </a:xfrm>
-          <a:prstGeom prst="rect">
-            <a:avLst/>
-          </a:prstGeom>
-          <a:noFill/>
-          <a:ln>
-            <a:noFill/>
-          </a:ln>
-        </p:spPr>
-      </p:pic>
-      <p:pic>
-        <p:nvPicPr>
-          <p:cNvPr id="253" name="Google Shape;253;p40"/>
-          <p:cNvPicPr preferRelativeResize="0"/>
-          <p:nvPr/>
-        </p:nvPicPr>
-        <p:blipFill>
-          <a:blip r:embed="rId4">
-            <a:alphaModFix/>
-          </a:blip>
-          <a:stretch>
-            <a:fillRect/>
-          </a:stretch>
-        </p:blipFill>
-        <p:spPr>
-          <a:xfrm>
-            <a:off x="3171688" y="3075462"/>
-            <a:ext cx="2567300" cy="1098050"/>
-          </a:xfrm>
-          <a:prstGeom prst="rect">
-            <a:avLst/>
-          </a:prstGeom>
-          <a:noFill/>
-          <a:ln>
-            <a:noFill/>
-          </a:ln>
-        </p:spPr>
-      </p:pic>
-      <p:pic>
-        <p:nvPicPr>
-          <p:cNvPr id="254" name="Google Shape;254;p40"/>
-          <p:cNvPicPr preferRelativeResize="0"/>
-          <p:nvPr/>
-        </p:nvPicPr>
-        <p:blipFill>
-          <a:blip r:embed="rId5">
-            <a:alphaModFix/>
-          </a:blip>
-          <a:stretch>
-            <a:fillRect/>
-          </a:stretch>
-        </p:blipFill>
-        <p:spPr>
-          <a:xfrm>
-            <a:off x="6079400" y="3104035"/>
-            <a:ext cx="2567300" cy="1040915"/>
-          </a:xfrm>
-          <a:prstGeom prst="rect">
-            <a:avLst/>
-          </a:prstGeom>
-          <a:noFill/>
-          <a:ln>
-            <a:noFill/>
-          </a:ln>
-        </p:spPr>
-      </p:pic>
-      <p:sp>
-        <p:nvSpPr>
-          <p:cNvPr id="255" name="Google Shape;255;p40"/>
-          <p:cNvSpPr txBox="1"/>
-          <p:nvPr/>
-        </p:nvSpPr>
-        <p:spPr>
-          <a:xfrm>
-            <a:off x="977650" y="3971675"/>
-            <a:ext cx="1187700" cy="461700"/>
-          </a:xfrm>
-          <a:prstGeom prst="rect">
-            <a:avLst/>
-          </a:prstGeom>
-          <a:noFill/>
-          <a:ln>
-            <a:noFill/>
-          </a:ln>
-        </p:spPr>
-        <p:txBody>
-          <a:bodyPr anchorCtr="0" anchor="t" bIns="91425" lIns="91425" spcFirstLastPara="1" rIns="91425" wrap="square" tIns="91425">
-            <a:spAutoFit/>
-          </a:bodyPr>
-          <a:lstStyle/>
           <a:p>
             <a:pPr indent="0" lvl="0" marL="0" rtl="0" algn="l">
               <a:spcBef>
-                <a:spcPts val="0"/>
+                <a:spcPts val="1200"/>
               </a:spcBef>
               <a:spcAft>
                 <a:spcPts val="0"/>
@@ -17688,141 +18141,73 @@
               <a:buNone/>
             </a:pPr>
             <a:r>
-              <a:rPr lang="bg" sz="1800">
-                <a:solidFill>
-                  <a:schemeClr val="dk2"/>
-                </a:solidFill>
-                <a:latin typeface="Source Code Pro"/>
-                <a:ea typeface="Source Code Pro"/>
-                <a:cs typeface="Source Code Pro"/>
-                <a:sym typeface="Source Code Pro"/>
+              <a:rPr lang="bg">
+                <a:solidFill>
+                  <a:schemeClr val="accent1"/>
+                </a:solidFill>
               </a:rPr>
-              <a:t>default</a:t>
-            </a:r>
-            <a:endParaRPr sz="1800">
+              <a:t>It gives you the </a:t>
+            </a:r>
+            <a:r>
+              <a:rPr lang="bg">
+                <a:solidFill>
+                  <a:schemeClr val="accent1"/>
+                </a:solidFill>
+              </a:rPr>
+              <a:t>ability</a:t>
+            </a:r>
+            <a:r>
+              <a:rPr lang="bg">
+                <a:solidFill>
+                  <a:schemeClr val="accent1"/>
+                </a:solidFill>
+              </a:rPr>
+              <a:t> to </a:t>
+            </a:r>
+            <a:r>
+              <a:rPr b="1" lang="bg">
+                <a:solidFill>
+                  <a:schemeClr val="accent1"/>
+                </a:solidFill>
+              </a:rPr>
+              <a:t>style a single word or a single part of the text</a:t>
+            </a:r>
+            <a:r>
+              <a:rPr lang="bg">
+                <a:solidFill>
+                  <a:schemeClr val="accent1"/>
+                </a:solidFill>
+              </a:rPr>
+              <a:t>. Meaning that a single word can be managed apart from the rest of the text.</a:t>
+            </a:r>
+            <a:endParaRPr>
               <a:solidFill>
-                <a:schemeClr val="dk2"/>
+                <a:schemeClr val="accent1"/>
               </a:solidFill>
-              <a:latin typeface="Source Code Pro"/>
-              <a:ea typeface="Source Code Pro"/>
-              <a:cs typeface="Source Code Pro"/>
-              <a:sym typeface="Source Code Pro"/>
             </a:endParaRPr>
           </a:p>
-        </p:txBody>
-      </p:sp>
-      <p:sp>
-        <p:nvSpPr>
-          <p:cNvPr id="256" name="Google Shape;256;p40"/>
-          <p:cNvSpPr txBox="1"/>
-          <p:nvPr/>
-        </p:nvSpPr>
-        <p:spPr>
-          <a:xfrm>
-            <a:off x="3861500" y="3971675"/>
-            <a:ext cx="1187700" cy="461700"/>
-          </a:xfrm>
-          <a:prstGeom prst="rect">
-            <a:avLst/>
-          </a:prstGeom>
-          <a:noFill/>
-          <a:ln>
-            <a:noFill/>
-          </a:ln>
-        </p:spPr>
-        <p:txBody>
-          <a:bodyPr anchorCtr="0" anchor="t" bIns="91425" lIns="91425" spcFirstLastPara="1" rIns="91425" wrap="square" tIns="91425">
-            <a:spAutoFit/>
-          </a:bodyPr>
-          <a:lstStyle/>
           <a:p>
             <a:pPr indent="0" lvl="0" marL="0" rtl="0" algn="l">
               <a:spcBef>
-                <a:spcPts val="0"/>
-              </a:spcBef>
-              <a:spcAft>
-                <a:spcPts val="0"/>
+                <a:spcPts val="1200"/>
+              </a:spcBef>
+              <a:spcAft>
+                <a:spcPts val="1200"/>
               </a:spcAft>
               <a:buNone/>
             </a:pPr>
             <a:r>
-              <a:rPr lang="bg" sz="1800">
-                <a:solidFill>
-                  <a:schemeClr val="dk2"/>
-                </a:solidFill>
-                <a:latin typeface="Source Code Pro"/>
-                <a:ea typeface="Source Code Pro"/>
-                <a:cs typeface="Source Code Pro"/>
-                <a:sym typeface="Source Code Pro"/>
+              <a:rPr lang="bg">
+                <a:solidFill>
+                  <a:schemeClr val="accent1"/>
+                </a:solidFill>
               </a:rPr>
-              <a:t>hovered</a:t>
-            </a:r>
-            <a:endParaRPr sz="1800">
+              <a:t>The strong element in particular gives the text that is inside the element a font-weight of bold (the text is bold), but we can do anything really to it.</a:t>
+            </a:r>
+            <a:endParaRPr>
               <a:solidFill>
-                <a:schemeClr val="dk2"/>
+                <a:schemeClr val="accent1"/>
               </a:solidFill>
-              <a:latin typeface="Source Code Pro"/>
-              <a:ea typeface="Source Code Pro"/>
-              <a:cs typeface="Source Code Pro"/>
-              <a:sym typeface="Source Code Pro"/>
-            </a:endParaRPr>
-          </a:p>
-        </p:txBody>
-      </p:sp>
-      <p:sp>
-        <p:nvSpPr>
-          <p:cNvPr id="257" name="Google Shape;257;p40"/>
-          <p:cNvSpPr txBox="1"/>
-          <p:nvPr/>
-        </p:nvSpPr>
-        <p:spPr>
-          <a:xfrm>
-            <a:off x="6808650" y="3971675"/>
-            <a:ext cx="1108800" cy="461700"/>
-          </a:xfrm>
-          <a:prstGeom prst="rect">
-            <a:avLst/>
-          </a:prstGeom>
-          <a:noFill/>
-          <a:ln>
-            <a:noFill/>
-          </a:ln>
-        </p:spPr>
-        <p:txBody>
-          <a:bodyPr anchorCtr="0" anchor="t" bIns="91425" lIns="91425" spcFirstLastPara="1" rIns="91425" wrap="square" tIns="91425">
-            <a:spAutoFit/>
-          </a:bodyPr>
-          <a:lstStyle/>
-          <a:p>
-            <a:pPr indent="0" lvl="0" marL="0" rtl="0" algn="l">
-              <a:spcBef>
-                <a:spcPts val="0"/>
-              </a:spcBef>
-              <a:spcAft>
-                <a:spcPts val="0"/>
-              </a:spcAft>
-              <a:buNone/>
-            </a:pPr>
-            <a:r>
-              <a:rPr lang="bg" sz="1800">
-                <a:solidFill>
-                  <a:schemeClr val="dk2"/>
-                </a:solidFill>
-                <a:latin typeface="Source Code Pro"/>
-                <a:ea typeface="Source Code Pro"/>
-                <a:cs typeface="Source Code Pro"/>
-                <a:sym typeface="Source Code Pro"/>
-              </a:rPr>
-              <a:t>active</a:t>
-            </a:r>
-            <a:endParaRPr sz="1800">
-              <a:solidFill>
-                <a:schemeClr val="dk2"/>
-              </a:solidFill>
-              <a:latin typeface="Source Code Pro"/>
-              <a:ea typeface="Source Code Pro"/>
-              <a:cs typeface="Source Code Pro"/>
-              <a:sym typeface="Source Code Pro"/>
             </a:endParaRPr>
           </a:p>
         </p:txBody>
@@ -17961,342 +18346,6 @@
                       </p:childTnLst>
                     </p:cTn>
                   </p:par>
-                  <p:par>
-                    <p:cTn fill="hold">
-                      <p:stCondLst>
-                        <p:cond delay="indefinite"/>
-                      </p:stCondLst>
-                      <p:childTnLst>
-                        <p:par>
-                          <p:cTn fill="hold">
-                            <p:stCondLst>
-                              <p:cond delay="0"/>
-                            </p:stCondLst>
-                            <p:childTnLst>
-                              <p:par>
-                                <p:cTn fill="hold" nodeType="clickEffect" presetClass="entr" presetID="2" presetSubtype="8">
-                                  <p:stCondLst>
-                                    <p:cond delay="0"/>
-                                  </p:stCondLst>
-                                  <p:childTnLst>
-                                    <p:set>
-                                      <p:cBhvr>
-                                        <p:cTn dur="1" fill="hold">
-                                          <p:stCondLst>
-                                            <p:cond delay="0"/>
-                                          </p:stCondLst>
-                                        </p:cTn>
-                                        <p:tgtEl>
-                                          <p:spTgt spid="252"/>
-                                        </p:tgtEl>
-                                        <p:attrNameLst>
-                                          <p:attrName>style.visibility</p:attrName>
-                                        </p:attrNameLst>
-                                      </p:cBhvr>
-                                      <p:to>
-                                        <p:strVal val="visible"/>
-                                      </p:to>
-                                    </p:set>
-                                    <p:anim calcmode="lin" valueType="num">
-                                      <p:cBhvr additive="base">
-                                        <p:cTn dur="1000"/>
-                                        <p:tgtEl>
-                                          <p:spTgt spid="252"/>
-                                        </p:tgtEl>
-                                        <p:attrNameLst>
-                                          <p:attrName>ppt_x</p:attrName>
-                                        </p:attrNameLst>
-                                      </p:cBhvr>
-                                      <p:tavLst>
-                                        <p:tav fmla="" tm="0">
-                                          <p:val>
-                                            <p:strVal val="#ppt_x-1"/>
-                                          </p:val>
-                                        </p:tav>
-                                        <p:tav fmla="" tm="100000">
-                                          <p:val>
-                                            <p:strVal val="#ppt_x"/>
-                                          </p:val>
-                                        </p:tav>
-                                      </p:tavLst>
-                                    </p:anim>
-                                  </p:childTnLst>
-                                </p:cTn>
-                              </p:par>
-                              <p:par>
-                                <p:cTn fill="hold" nodeType="withEffect" presetClass="entr" presetID="2" presetSubtype="8">
-                                  <p:stCondLst>
-                                    <p:cond delay="0"/>
-                                  </p:stCondLst>
-                                  <p:childTnLst>
-                                    <p:set>
-                                      <p:cBhvr>
-                                        <p:cTn dur="1" fill="hold">
-                                          <p:stCondLst>
-                                            <p:cond delay="0"/>
-                                          </p:stCondLst>
-                                        </p:cTn>
-                                        <p:tgtEl>
-                                          <p:spTgt spid="253"/>
-                                        </p:tgtEl>
-                                        <p:attrNameLst>
-                                          <p:attrName>style.visibility</p:attrName>
-                                        </p:attrNameLst>
-                                      </p:cBhvr>
-                                      <p:to>
-                                        <p:strVal val="visible"/>
-                                      </p:to>
-                                    </p:set>
-                                    <p:anim calcmode="lin" valueType="num">
-                                      <p:cBhvr additive="base">
-                                        <p:cTn dur="900"/>
-                                        <p:tgtEl>
-                                          <p:spTgt spid="253"/>
-                                        </p:tgtEl>
-                                        <p:attrNameLst>
-                                          <p:attrName>ppt_x</p:attrName>
-                                        </p:attrNameLst>
-                                      </p:cBhvr>
-                                      <p:tavLst>
-                                        <p:tav fmla="" tm="0">
-                                          <p:val>
-                                            <p:strVal val="#ppt_x-1"/>
-                                          </p:val>
-                                        </p:tav>
-                                        <p:tav fmla="" tm="100000">
-                                          <p:val>
-                                            <p:strVal val="#ppt_x"/>
-                                          </p:val>
-                                        </p:tav>
-                                      </p:tavLst>
-                                    </p:anim>
-                                  </p:childTnLst>
-                                </p:cTn>
-                              </p:par>
-                              <p:par>
-                                <p:cTn fill="hold" nodeType="withEffect" presetClass="entr" presetID="2" presetSubtype="8">
-                                  <p:stCondLst>
-                                    <p:cond delay="0"/>
-                                  </p:stCondLst>
-                                  <p:childTnLst>
-                                    <p:set>
-                                      <p:cBhvr>
-                                        <p:cTn dur="1" fill="hold">
-                                          <p:stCondLst>
-                                            <p:cond delay="0"/>
-                                          </p:stCondLst>
-                                        </p:cTn>
-                                        <p:tgtEl>
-                                          <p:spTgt spid="254"/>
-                                        </p:tgtEl>
-                                        <p:attrNameLst>
-                                          <p:attrName>style.visibility</p:attrName>
-                                        </p:attrNameLst>
-                                      </p:cBhvr>
-                                      <p:to>
-                                        <p:strVal val="visible"/>
-                                      </p:to>
-                                    </p:set>
-                                    <p:anim calcmode="lin" valueType="num">
-                                      <p:cBhvr additive="base">
-                                        <p:cTn dur="1000"/>
-                                        <p:tgtEl>
-                                          <p:spTgt spid="254"/>
-                                        </p:tgtEl>
-                                        <p:attrNameLst>
-                                          <p:attrName>ppt_x</p:attrName>
-                                        </p:attrNameLst>
-                                      </p:cBhvr>
-                                      <p:tavLst>
-                                        <p:tav fmla="" tm="0">
-                                          <p:val>
-                                            <p:strVal val="#ppt_x-1"/>
-                                          </p:val>
-                                        </p:tav>
-                                        <p:tav fmla="" tm="100000">
-                                          <p:val>
-                                            <p:strVal val="#ppt_x"/>
-                                          </p:val>
-                                        </p:tav>
-                                      </p:tavLst>
-                                    </p:anim>
-                                  </p:childTnLst>
-                                </p:cTn>
-                              </p:par>
-                            </p:childTnLst>
-                          </p:cTn>
-                        </p:par>
-                      </p:childTnLst>
-                    </p:cTn>
-                  </p:par>
-                  <p:par>
-                    <p:cTn fill="hold">
-                      <p:stCondLst>
-                        <p:cond delay="indefinite"/>
-                      </p:stCondLst>
-                      <p:childTnLst>
-                        <p:par>
-                          <p:cTn fill="hold">
-                            <p:stCondLst>
-                              <p:cond delay="0"/>
-                            </p:stCondLst>
-                            <p:childTnLst>
-                              <p:par>
-                                <p:cTn fill="hold" nodeType="clickEffect" presetClass="entr" presetID="2" presetSubtype="8">
-                                  <p:stCondLst>
-                                    <p:cond delay="0"/>
-                                  </p:stCondLst>
-                                  <p:childTnLst>
-                                    <p:set>
-                                      <p:cBhvr>
-                                        <p:cTn dur="1" fill="hold">
-                                          <p:stCondLst>
-                                            <p:cond delay="0"/>
-                                          </p:stCondLst>
-                                        </p:cTn>
-                                        <p:tgtEl>
-                                          <p:spTgt spid="255"/>
-                                        </p:tgtEl>
-                                        <p:attrNameLst>
-                                          <p:attrName>style.visibility</p:attrName>
-                                        </p:attrNameLst>
-                                      </p:cBhvr>
-                                      <p:to>
-                                        <p:strVal val="visible"/>
-                                      </p:to>
-                                    </p:set>
-                                    <p:anim calcmode="lin" valueType="num">
-                                      <p:cBhvr additive="base">
-                                        <p:cTn dur="1000"/>
-                                        <p:tgtEl>
-                                          <p:spTgt spid="255"/>
-                                        </p:tgtEl>
-                                        <p:attrNameLst>
-                                          <p:attrName>ppt_x</p:attrName>
-                                        </p:attrNameLst>
-                                      </p:cBhvr>
-                                      <p:tavLst>
-                                        <p:tav fmla="" tm="0">
-                                          <p:val>
-                                            <p:strVal val="#ppt_x-1"/>
-                                          </p:val>
-                                        </p:tav>
-                                        <p:tav fmla="" tm="100000">
-                                          <p:val>
-                                            <p:strVal val="#ppt_x"/>
-                                          </p:val>
-                                        </p:tav>
-                                      </p:tavLst>
-                                    </p:anim>
-                                  </p:childTnLst>
-                                </p:cTn>
-                              </p:par>
-                              <p:par>
-                                <p:cTn fill="hold" nodeType="withEffect" presetClass="entr" presetID="2" presetSubtype="8">
-                                  <p:stCondLst>
-                                    <p:cond delay="0"/>
-                                  </p:stCondLst>
-                                  <p:childTnLst>
-                                    <p:set>
-                                      <p:cBhvr>
-                                        <p:cTn dur="1" fill="hold">
-                                          <p:stCondLst>
-                                            <p:cond delay="0"/>
-                                          </p:stCondLst>
-                                        </p:cTn>
-                                        <p:tgtEl>
-                                          <p:spTgt spid="256"/>
-                                        </p:tgtEl>
-                                        <p:attrNameLst>
-                                          <p:attrName>style.visibility</p:attrName>
-                                        </p:attrNameLst>
-                                      </p:cBhvr>
-                                      <p:to>
-                                        <p:strVal val="visible"/>
-                                      </p:to>
-                                    </p:set>
-                                    <p:anim calcmode="lin" valueType="num">
-                                      <p:cBhvr additive="base">
-                                        <p:cTn dur="1000"/>
-                                        <p:tgtEl>
-                                          <p:spTgt spid="256"/>
-                                        </p:tgtEl>
-                                        <p:attrNameLst>
-                                          <p:attrName>ppt_x</p:attrName>
-                                        </p:attrNameLst>
-                                      </p:cBhvr>
-                                      <p:tavLst>
-                                        <p:tav fmla="" tm="0">
-                                          <p:val>
-                                            <p:strVal val="#ppt_x-1"/>
-                                          </p:val>
-                                        </p:tav>
-                                        <p:tav fmla="" tm="100000">
-                                          <p:val>
-                                            <p:strVal val="#ppt_x"/>
-                                          </p:val>
-                                        </p:tav>
-                                      </p:tavLst>
-                                    </p:anim>
-                                  </p:childTnLst>
-                                </p:cTn>
-                              </p:par>
-                              <p:par>
-                                <p:cTn fill="hold" nodeType="withEffect" presetClass="entr" presetID="2" presetSubtype="8">
-                                  <p:stCondLst>
-                                    <p:cond delay="0"/>
-                                  </p:stCondLst>
-                                  <p:childTnLst>
-                                    <p:set>
-                                      <p:cBhvr>
-                                        <p:cTn dur="1" fill="hold">
-                                          <p:stCondLst>
-                                            <p:cond delay="0"/>
-                                          </p:stCondLst>
-                                        </p:cTn>
-                                        <p:tgtEl>
-                                          <p:spTgt spid="257"/>
-                                        </p:tgtEl>
-                                        <p:attrNameLst>
-                                          <p:attrName>style.visibility</p:attrName>
-                                        </p:attrNameLst>
-                                      </p:cBhvr>
-                                      <p:to>
-                                        <p:strVal val="visible"/>
-                                      </p:to>
-                                    </p:set>
-                                    <p:anim calcmode="lin" valueType="num">
-                                      <p:cBhvr additive="base">
-                                        <p:cTn dur="1000"/>
-                                        <p:tgtEl>
-                                          <p:spTgt spid="257"/>
-                                        </p:tgtEl>
-                                        <p:attrNameLst>
-                                          <p:attrName>ppt_x</p:attrName>
-                                        </p:attrNameLst>
-                                      </p:cBhvr>
-                                      <p:tavLst>
-                                        <p:tav fmla="" tm="0">
-                                          <p:val>
-                                            <p:strVal val="#ppt_x-1"/>
-                                          </p:val>
-                                        </p:tav>
-                                        <p:tav fmla="" tm="100000">
-                                          <p:val>
-                                            <p:strVal val="#ppt_x"/>
-                                          </p:val>
-                                        </p:tav>
-                                      </p:tavLst>
-                                    </p:anim>
-                                  </p:childTnLst>
-                                </p:cTn>
-                              </p:par>
-                            </p:childTnLst>
-                          </p:cTn>
-                        </p:par>
-                      </p:childTnLst>
-                    </p:cTn>
-                  </p:par>
                 </p:childTnLst>
               </p:cTn>
               <p:prevCondLst>
@@ -18327,7 +18376,7 @@
   <p:cSld>
     <p:spTree>
       <p:nvGrpSpPr>
-        <p:cNvPr id="261" name="Shape 261"/>
+        <p:cNvPr id="255" name="Shape 255"/>
         <p:cNvGrpSpPr/>
         <p:nvPr/>
       </p:nvGrpSpPr>
@@ -18341,84 +18390,246 @@
       </p:grpSpPr>
       <p:sp>
         <p:nvSpPr>
-          <p:cNvPr id="262" name="Google Shape;262;p41"/>
+          <p:cNvPr id="256" name="Google Shape;256;p41"/>
           <p:cNvSpPr txBox="1"/>
           <p:nvPr>
-            <p:ph type="ctrTitle"/>
+            <p:ph type="title"/>
           </p:nvPr>
         </p:nvSpPr>
         <p:spPr>
           <a:xfrm>
-            <a:off x="311700" y="392150"/>
-            <a:ext cx="8520600" cy="2690400"/>
+            <a:off x="311700" y="292850"/>
+            <a:ext cx="8520600" cy="801000"/>
           </a:xfrm>
           <a:prstGeom prst="rect">
             <a:avLst/>
           </a:prstGeom>
         </p:spPr>
         <p:txBody>
-          <a:bodyPr anchorCtr="0" anchor="ctr" bIns="91425" lIns="91425" spcFirstLastPara="1" rIns="91425" wrap="square" tIns="91425">
-            <a:normAutofit/>
+          <a:bodyPr anchorCtr="0" anchor="t" bIns="91425" lIns="91425" spcFirstLastPara="1" rIns="91425" wrap="square" tIns="91425">
+            <a:noAutofit/>
           </a:bodyPr>
           <a:lstStyle/>
           <a:p>
-            <a:pPr indent="0" lvl="0" marL="0" rtl="0" algn="ctr">
-              <a:spcBef>
-                <a:spcPts val="0"/>
-              </a:spcBef>
-              <a:spcAft>
-                <a:spcPts val="0"/>
-              </a:spcAft>
+            <a:pPr indent="0" lvl="0" marL="0" rtl="0" algn="l">
+              <a:spcBef>
+                <a:spcPts val="0"/>
+              </a:spcBef>
+              <a:spcAft>
+                <a:spcPts val="0"/>
+              </a:spcAft>
+              <a:buSzPts val="990"/>
               <a:buNone/>
             </a:pPr>
             <a:r>
-              <a:rPr lang="bg"/>
-              <a:t>Thank you for listening!</a:t>
-            </a:r>
-            <a:endParaRPr/>
+              <a:rPr lang="bg" sz="4080"/>
+              <a:t>Useful features of css - The strong element</a:t>
+            </a:r>
+            <a:endParaRPr sz="4080"/>
+          </a:p>
+          <a:p>
+            <a:pPr indent="0" lvl="0" marL="0" rtl="0" algn="l">
+              <a:spcBef>
+                <a:spcPts val="0"/>
+              </a:spcBef>
+              <a:spcAft>
+                <a:spcPts val="0"/>
+              </a:spcAft>
+              <a:buSzPts val="990"/>
+              <a:buNone/>
+            </a:pPr>
+            <a:r>
+              <a:t/>
+            </a:r>
+            <a:endParaRPr sz="3780"/>
           </a:p>
         </p:txBody>
       </p:sp>
       <p:sp>
         <p:nvSpPr>
-          <p:cNvPr id="263" name="Google Shape;263;p41"/>
+          <p:cNvPr id="257" name="Google Shape;257;p41"/>
           <p:cNvSpPr txBox="1"/>
           <p:nvPr>
-            <p:ph idx="1" type="subTitle"/>
+            <p:ph idx="1" type="body"/>
           </p:nvPr>
         </p:nvSpPr>
         <p:spPr>
           <a:xfrm>
-            <a:off x="311700" y="3890400"/>
-            <a:ext cx="8520600" cy="706200"/>
+            <a:off x="311700" y="1228675"/>
+            <a:ext cx="8520600" cy="3340200"/>
           </a:xfrm>
           <a:prstGeom prst="rect">
             <a:avLst/>
           </a:prstGeom>
         </p:spPr>
         <p:txBody>
-          <a:bodyPr anchorCtr="0" anchor="ctr" bIns="91425" lIns="91425" spcFirstLastPara="1" rIns="91425" wrap="square" tIns="91425">
+          <a:bodyPr anchorCtr="0" anchor="t" bIns="91425" lIns="91425" spcFirstLastPara="1" rIns="91425" wrap="square" tIns="91425">
             <a:normAutofit/>
           </a:bodyPr>
           <a:lstStyle/>
           <a:p>
-            <a:pPr indent="0" lvl="0" marL="0" rtl="0" algn="ctr">
-              <a:spcBef>
-                <a:spcPts val="0"/>
-              </a:spcBef>
-              <a:spcAft>
-                <a:spcPts val="0"/>
+            <a:pPr indent="0" lvl="0" marL="0" rtl="0" algn="l">
+              <a:spcBef>
+                <a:spcPts val="0"/>
+              </a:spcBef>
+              <a:spcAft>
+                <a:spcPts val="1200"/>
               </a:spcAft>
               <a:buNone/>
             </a:pPr>
             <a:r>
-              <a:rPr lang="bg"/>
-              <a:t>Yordan G. Yordanov</a:t>
-            </a:r>
-            <a:endParaRPr/>
+              <a:rPr lang="bg">
+                <a:solidFill>
+                  <a:schemeClr val="accent1"/>
+                </a:solidFill>
+              </a:rPr>
+              <a:t>Let’s assume we have a </a:t>
+            </a:r>
+            <a:r>
+              <a:rPr lang="bg">
+                <a:solidFill>
+                  <a:schemeClr val="accent1"/>
+                </a:solidFill>
+              </a:rPr>
+              <a:t>paragraph</a:t>
+            </a:r>
+            <a:r>
+              <a:rPr lang="bg">
+                <a:solidFill>
+                  <a:schemeClr val="accent1"/>
+                </a:solidFill>
+              </a:rPr>
+              <a:t> element and some text in it. We add a strong element in it like this:</a:t>
+            </a:r>
+            <a:endParaRPr>
+              <a:solidFill>
+                <a:schemeClr val="accent1"/>
+              </a:solidFill>
+            </a:endParaRPr>
           </a:p>
         </p:txBody>
       </p:sp>
+      <p:pic>
+        <p:nvPicPr>
+          <p:cNvPr id="258" name="Google Shape;258;p41"/>
+          <p:cNvPicPr preferRelativeResize="0"/>
+          <p:nvPr/>
+        </p:nvPicPr>
+        <p:blipFill>
+          <a:blip r:embed="rId3">
+            <a:alphaModFix/>
+          </a:blip>
+          <a:stretch>
+            <a:fillRect/>
+          </a:stretch>
+        </p:blipFill>
+        <p:spPr>
+          <a:xfrm>
+            <a:off x="387200" y="2026825"/>
+            <a:ext cx="7668377" cy="1511750"/>
+          </a:xfrm>
+          <a:prstGeom prst="rect">
+            <a:avLst/>
+          </a:prstGeom>
+          <a:noFill/>
+          <a:ln>
+            <a:noFill/>
+          </a:ln>
+        </p:spPr>
+      </p:pic>
+      <p:sp>
+        <p:nvSpPr>
+          <p:cNvPr id="259" name="Google Shape;259;p41"/>
+          <p:cNvSpPr txBox="1"/>
+          <p:nvPr/>
+        </p:nvSpPr>
+        <p:spPr>
+          <a:xfrm>
+            <a:off x="387200" y="3692900"/>
+            <a:ext cx="5547900" cy="461700"/>
+          </a:xfrm>
+          <a:prstGeom prst="rect">
+            <a:avLst/>
+          </a:prstGeom>
+          <a:noFill/>
+          <a:ln>
+            <a:noFill/>
+          </a:ln>
+        </p:spPr>
+        <p:txBody>
+          <a:bodyPr anchorCtr="0" anchor="t" bIns="91425" lIns="91425" spcFirstLastPara="1" rIns="91425" wrap="square" tIns="91425">
+            <a:spAutoFit/>
+          </a:bodyPr>
+          <a:lstStyle/>
+          <a:p>
+            <a:pPr indent="0" lvl="0" marL="0" rtl="0" algn="l">
+              <a:spcBef>
+                <a:spcPts val="0"/>
+              </a:spcBef>
+              <a:spcAft>
+                <a:spcPts val="0"/>
+              </a:spcAft>
+              <a:buNone/>
+            </a:pPr>
+            <a:r>
+              <a:rPr lang="bg" sz="1800">
+                <a:solidFill>
+                  <a:schemeClr val="accent1"/>
+                </a:solidFill>
+                <a:latin typeface="Source Code Pro"/>
+                <a:ea typeface="Source Code Pro"/>
+                <a:cs typeface="Source Code Pro"/>
+                <a:sym typeface="Source Code Pro"/>
+              </a:rPr>
+              <a:t>And we get that:</a:t>
+            </a:r>
+            <a:endParaRPr sz="1800">
+              <a:solidFill>
+                <a:schemeClr val="accent1"/>
+              </a:solidFill>
+              <a:latin typeface="Source Code Pro"/>
+              <a:ea typeface="Source Code Pro"/>
+              <a:cs typeface="Source Code Pro"/>
+              <a:sym typeface="Source Code Pro"/>
+            </a:endParaRPr>
+          </a:p>
+        </p:txBody>
+      </p:sp>
+      <p:pic>
+        <p:nvPicPr>
+          <p:cNvPr id="260" name="Google Shape;260;p41"/>
+          <p:cNvPicPr preferRelativeResize="0"/>
+          <p:nvPr/>
+        </p:nvPicPr>
+        <p:blipFill>
+          <a:blip r:embed="rId4">
+            <a:alphaModFix/>
+          </a:blip>
+          <a:stretch>
+            <a:fillRect/>
+          </a:stretch>
+        </p:blipFill>
+        <p:spPr>
+          <a:xfrm>
+            <a:off x="387200" y="4154600"/>
+            <a:ext cx="7668377" cy="727631"/>
+          </a:xfrm>
+          <a:prstGeom prst="rect">
+            <a:avLst/>
+          </a:prstGeom>
+          <a:noFill/>
+          <a:ln>
+            <a:noFill/>
+          </a:ln>
+          <a:effectLst>
+            <a:outerShdw blurRad="57150" rotWithShape="0" algn="bl" dir="5400000" dist="19050">
+              <a:srgbClr val="000000">
+                <a:alpha val="50000"/>
+              </a:srgbClr>
+            </a:outerShdw>
+          </a:effectLst>
+        </p:spPr>
+      </p:pic>
     </p:spTree>
   </p:cSld>
   <p:clrMapOvr>
@@ -18445,22 +18656,226 @@
                             </p:stCondLst>
                             <p:childTnLst>
                               <p:par>
-                                <p:cTn fill="hold" nodeType="clickEffect" presetClass="emph" presetID="8" presetSubtype="0">
+                                <p:cTn fill="hold" nodeType="clickEffect" presetClass="entr" presetID="10" presetSubtype="0">
                                   <p:stCondLst>
                                     <p:cond delay="0"/>
                                   </p:stCondLst>
                                   <p:childTnLst>
-                                    <p:animRot by="-21600000">
+                                    <p:set>
                                       <p:cBhvr>
-                                        <p:cTn dur="1000" fill="hold"/>
+                                        <p:cTn dur="1" fill="hold">
+                                          <p:stCondLst>
+                                            <p:cond delay="0"/>
+                                          </p:stCondLst>
+                                        </p:cTn>
                                         <p:tgtEl>
-                                          <p:spTgt spid="262"/>
+                                          <p:spTgt spid="257"/>
                                         </p:tgtEl>
                                         <p:attrNameLst>
-                                          <p:attrName>r</p:attrName>
+                                          <p:attrName>style.visibility</p:attrName>
                                         </p:attrNameLst>
                                       </p:cBhvr>
-                                    </p:animRot>
+                                      <p:to>
+                                        <p:strVal val="visible"/>
+                                      </p:to>
+                                    </p:set>
+                                    <p:animEffect filter="fade" transition="in">
+                                      <p:cBhvr>
+                                        <p:cTn dur="1000"/>
+                                        <p:tgtEl>
+                                          <p:spTgt spid="257"/>
+                                        </p:tgtEl>
+                                      </p:cBhvr>
+                                    </p:animEffect>
+                                  </p:childTnLst>
+                                </p:cTn>
+                              </p:par>
+                            </p:childTnLst>
+                          </p:cTn>
+                        </p:par>
+                      </p:childTnLst>
+                    </p:cTn>
+                  </p:par>
+                  <p:par>
+                    <p:cTn fill="hold">
+                      <p:stCondLst>
+                        <p:cond delay="indefinite"/>
+                      </p:stCondLst>
+                      <p:childTnLst>
+                        <p:par>
+                          <p:cTn fill="hold">
+                            <p:stCondLst>
+                              <p:cond delay="0"/>
+                            </p:stCondLst>
+                            <p:childTnLst>
+                              <p:par>
+                                <p:cTn fill="hold" nodeType="clickEffect" presetClass="entr" presetID="2" presetSubtype="4">
+                                  <p:stCondLst>
+                                    <p:cond delay="0"/>
+                                  </p:stCondLst>
+                                  <p:childTnLst>
+                                    <p:set>
+                                      <p:cBhvr>
+                                        <p:cTn dur="1" fill="hold">
+                                          <p:stCondLst>
+                                            <p:cond delay="0"/>
+                                          </p:stCondLst>
+                                        </p:cTn>
+                                        <p:tgtEl>
+                                          <p:spTgt spid="258"/>
+                                        </p:tgtEl>
+                                        <p:attrNameLst>
+                                          <p:attrName>style.visibility</p:attrName>
+                                        </p:attrNameLst>
+                                      </p:cBhvr>
+                                      <p:to>
+                                        <p:strVal val="visible"/>
+                                      </p:to>
+                                    </p:set>
+                                    <p:anim calcmode="lin" valueType="num">
+                                      <p:cBhvr additive="base">
+                                        <p:cTn dur="1000"/>
+                                        <p:tgtEl>
+                                          <p:spTgt spid="258"/>
+                                        </p:tgtEl>
+                                        <p:attrNameLst>
+                                          <p:attrName>ppt_y</p:attrName>
+                                        </p:attrNameLst>
+                                      </p:cBhvr>
+                                      <p:tavLst>
+                                        <p:tav fmla="" tm="0">
+                                          <p:val>
+                                            <p:strVal val="#ppt_y+1"/>
+                                          </p:val>
+                                        </p:tav>
+                                        <p:tav fmla="" tm="100000">
+                                          <p:val>
+                                            <p:strVal val="#ppt_y"/>
+                                          </p:val>
+                                        </p:tav>
+                                      </p:tavLst>
+                                    </p:anim>
+                                  </p:childTnLst>
+                                </p:cTn>
+                              </p:par>
+                            </p:childTnLst>
+                          </p:cTn>
+                        </p:par>
+                      </p:childTnLst>
+                    </p:cTn>
+                  </p:par>
+                  <p:par>
+                    <p:cTn fill="hold">
+                      <p:stCondLst>
+                        <p:cond delay="indefinite"/>
+                      </p:stCondLst>
+                      <p:childTnLst>
+                        <p:par>
+                          <p:cTn fill="hold">
+                            <p:stCondLst>
+                              <p:cond delay="0"/>
+                            </p:stCondLst>
+                            <p:childTnLst>
+                              <p:par>
+                                <p:cTn fill="hold" nodeType="clickEffect" presetClass="entr" presetID="10" presetSubtype="0">
+                                  <p:stCondLst>
+                                    <p:cond delay="0"/>
+                                  </p:stCondLst>
+                                  <p:childTnLst>
+                                    <p:set>
+                                      <p:cBhvr>
+                                        <p:cTn dur="1" fill="hold">
+                                          <p:stCondLst>
+                                            <p:cond delay="0"/>
+                                          </p:stCondLst>
+                                        </p:cTn>
+                                        <p:tgtEl>
+                                          <p:spTgt spid="259"/>
+                                        </p:tgtEl>
+                                        <p:attrNameLst>
+                                          <p:attrName>style.visibility</p:attrName>
+                                        </p:attrNameLst>
+                                      </p:cBhvr>
+                                      <p:to>
+                                        <p:strVal val="visible"/>
+                                      </p:to>
+                                    </p:set>
+                                    <p:animEffect filter="fade" transition="in">
+                                      <p:cBhvr>
+                                        <p:cTn dur="1000"/>
+                                        <p:tgtEl>
+                                          <p:spTgt spid="259"/>
+                                        </p:tgtEl>
+                                      </p:cBhvr>
+                                    </p:animEffect>
+                                  </p:childTnLst>
+                                </p:cTn>
+                              </p:par>
+                            </p:childTnLst>
+                          </p:cTn>
+                        </p:par>
+                      </p:childTnLst>
+                    </p:cTn>
+                  </p:par>
+                  <p:par>
+                    <p:cTn fill="hold">
+                      <p:stCondLst>
+                        <p:cond delay="indefinite"/>
+                      </p:stCondLst>
+                      <p:childTnLst>
+                        <p:par>
+                          <p:cTn fill="hold">
+                            <p:stCondLst>
+                              <p:cond delay="0"/>
+                            </p:stCondLst>
+                            <p:childTnLst>
+                              <p:par>
+                                <p:cTn fill="hold" nodeType="clickEffect" presetClass="entr" presetID="2" presetSubtype="4">
+                                  <p:stCondLst>
+                                    <p:cond delay="0"/>
+                                  </p:stCondLst>
+                                  <p:childTnLst>
+                                    <p:set>
+                                      <p:cBhvr>
+                                        <p:cTn dur="1" fill="hold">
+                                          <p:stCondLst>
+                                            <p:cond delay="0"/>
+                                          </p:stCondLst>
+                                        </p:cTn>
+                                        <p:tgtEl>
+                                          <p:spTgt spid="260"/>
+                                        </p:tgtEl>
+                                        <p:attrNameLst>
+                                          <p:attrName>style.visibility</p:attrName>
+                                        </p:attrNameLst>
+                                      </p:cBhvr>
+                                      <p:to>
+                                        <p:strVal val="visible"/>
+                                      </p:to>
+                                    </p:set>
+                                    <p:anim calcmode="lin" valueType="num">
+                                      <p:cBhvr additive="base">
+                                        <p:cTn dur="1000"/>
+                                        <p:tgtEl>
+                                          <p:spTgt spid="260"/>
+                                        </p:tgtEl>
+                                        <p:attrNameLst>
+                                          <p:attrName>ppt_y</p:attrName>
+                                        </p:attrNameLst>
+                                      </p:cBhvr>
+                                      <p:tavLst>
+                                        <p:tav fmla="" tm="0">
+                                          <p:val>
+                                            <p:strVal val="#ppt_y+1"/>
+                                          </p:val>
+                                        </p:tav>
+                                        <p:tav fmla="" tm="100000">
+                                          <p:val>
+                                            <p:strVal val="#ppt_y"/>
+                                          </p:val>
+                                        </p:tav>
+                                      </p:tavLst>
+                                    </p:anim>
                                   </p:childTnLst>
                                 </p:cTn>
                               </p:par>
@@ -18977,6 +19392,3097 @@
                                         </p:tav>
                                       </p:tavLst>
                                     </p:anim>
+                                  </p:childTnLst>
+                                </p:cTn>
+                              </p:par>
+                            </p:childTnLst>
+                          </p:cTn>
+                        </p:par>
+                      </p:childTnLst>
+                    </p:cTn>
+                  </p:par>
+                </p:childTnLst>
+              </p:cTn>
+              <p:prevCondLst>
+                <p:cond evt="onPrev">
+                  <p:tgtEl>
+                    <p:sldTgt/>
+                  </p:tgtEl>
+                </p:cond>
+              </p:prevCondLst>
+              <p:nextCondLst>
+                <p:cond evt="onNext">
+                  <p:tgtEl>
+                    <p:sldTgt/>
+                  </p:tgtEl>
+                </p:cond>
+              </p:nextCondLst>
+            </p:seq>
+          </p:childTnLst>
+        </p:cTn>
+      </p:par>
+    </p:tnLst>
+  </p:timing>
+</p:sld>
+</file>
+
+<file path=ppt/slides/slide30.xml><?xml version="1.0" encoding="utf-8"?>
+<p:sld xmlns:a="http://schemas.openxmlformats.org/drawingml/2006/main" xmlns:r="http://schemas.openxmlformats.org/officeDocument/2006/relationships" xmlns:mc="http://schemas.openxmlformats.org/markup-compatibility/2006" xmlns:mv="urn:schemas-microsoft-com:mac:vml" xmlns:p="http://schemas.openxmlformats.org/presentationml/2006/main" xmlns:c="http://schemas.openxmlformats.org/drawingml/2006/chart" xmlns:dgm="http://schemas.openxmlformats.org/drawingml/2006/diagram" xmlns:o="urn:schemas-microsoft-com:office:office" xmlns:v="urn:schemas-microsoft-com:vml" xmlns:pvml="urn:schemas-microsoft-com:office:powerpoint" xmlns:com="http://schemas.openxmlformats.org/drawingml/2006/compatibility" xmlns:p14="http://schemas.microsoft.com/office/powerpoint/2010/main" xmlns:p15="http://schemas.microsoft.com/office/powerpoint/2012/main" xmlns:ahyp="http://schemas.microsoft.com/office/drawing/2018/hyperlinkcolor">
+  <p:cSld>
+    <p:spTree>
+      <p:nvGrpSpPr>
+        <p:cNvPr id="264" name="Shape 264"/>
+        <p:cNvGrpSpPr/>
+        <p:nvPr/>
+      </p:nvGrpSpPr>
+      <p:grpSpPr>
+        <a:xfrm>
+          <a:off x="0" y="0"/>
+          <a:ext cx="0" cy="0"/>
+          <a:chOff x="0" y="0"/>
+          <a:chExt cx="0" cy="0"/>
+        </a:xfrm>
+      </p:grpSpPr>
+      <p:sp>
+        <p:nvSpPr>
+          <p:cNvPr id="265" name="Google Shape;265;p42"/>
+          <p:cNvSpPr txBox="1"/>
+          <p:nvPr>
+            <p:ph type="title"/>
+          </p:nvPr>
+        </p:nvSpPr>
+        <p:spPr>
+          <a:xfrm>
+            <a:off x="311700" y="292850"/>
+            <a:ext cx="8520600" cy="801000"/>
+          </a:xfrm>
+          <a:prstGeom prst="rect">
+            <a:avLst/>
+          </a:prstGeom>
+        </p:spPr>
+        <p:txBody>
+          <a:bodyPr anchorCtr="0" anchor="t" bIns="91425" lIns="91425" spcFirstLastPara="1" rIns="91425" wrap="square" tIns="91425">
+            <a:noAutofit/>
+          </a:bodyPr>
+          <a:lstStyle/>
+          <a:p>
+            <a:pPr indent="0" lvl="0" marL="0" rtl="0" algn="l">
+              <a:spcBef>
+                <a:spcPts val="0"/>
+              </a:spcBef>
+              <a:spcAft>
+                <a:spcPts val="0"/>
+              </a:spcAft>
+              <a:buSzPts val="990"/>
+              <a:buNone/>
+            </a:pPr>
+            <a:r>
+              <a:rPr lang="bg" sz="4080"/>
+              <a:t>Useful features of css - The Background-image property</a:t>
+            </a:r>
+            <a:endParaRPr sz="4080"/>
+          </a:p>
+          <a:p>
+            <a:pPr indent="0" lvl="0" marL="0" rtl="0" algn="l">
+              <a:spcBef>
+                <a:spcPts val="0"/>
+              </a:spcBef>
+              <a:spcAft>
+                <a:spcPts val="0"/>
+              </a:spcAft>
+              <a:buSzPts val="990"/>
+              <a:buNone/>
+            </a:pPr>
+            <a:r>
+              <a:t/>
+            </a:r>
+            <a:endParaRPr sz="3780"/>
+          </a:p>
+        </p:txBody>
+      </p:sp>
+      <p:sp>
+        <p:nvSpPr>
+          <p:cNvPr id="266" name="Google Shape;266;p42"/>
+          <p:cNvSpPr txBox="1"/>
+          <p:nvPr>
+            <p:ph idx="1" type="body"/>
+          </p:nvPr>
+        </p:nvSpPr>
+        <p:spPr>
+          <a:xfrm>
+            <a:off x="311700" y="1228675"/>
+            <a:ext cx="8520600" cy="3340200"/>
+          </a:xfrm>
+          <a:prstGeom prst="rect">
+            <a:avLst/>
+          </a:prstGeom>
+        </p:spPr>
+        <p:txBody>
+          <a:bodyPr anchorCtr="0" anchor="t" bIns="91425" lIns="91425" spcFirstLastPara="1" rIns="91425" wrap="square" tIns="91425">
+            <a:normAutofit/>
+          </a:bodyPr>
+          <a:lstStyle/>
+          <a:p>
+            <a:pPr indent="0" lvl="0" marL="0" rtl="0" algn="l">
+              <a:spcBef>
+                <a:spcPts val="0"/>
+              </a:spcBef>
+              <a:spcAft>
+                <a:spcPts val="0"/>
+              </a:spcAft>
+              <a:buNone/>
+            </a:pPr>
+            <a:r>
+              <a:rPr lang="bg">
+                <a:solidFill>
+                  <a:schemeClr val="accent1"/>
+                </a:solidFill>
+              </a:rPr>
+              <a:t>The background-image property of CSS gives us the </a:t>
+            </a:r>
+            <a:r>
+              <a:rPr lang="bg">
+                <a:solidFill>
+                  <a:schemeClr val="accent1"/>
+                </a:solidFill>
+              </a:rPr>
+              <a:t>ability</a:t>
+            </a:r>
+            <a:r>
+              <a:rPr lang="bg">
+                <a:solidFill>
+                  <a:schemeClr val="accent1"/>
+                </a:solidFill>
+              </a:rPr>
+              <a:t> to as the name implies to make the background of an element to an image:</a:t>
+            </a:r>
+            <a:endParaRPr>
+              <a:solidFill>
+                <a:schemeClr val="accent1"/>
+              </a:solidFill>
+            </a:endParaRPr>
+          </a:p>
+          <a:p>
+            <a:pPr indent="0" lvl="0" marL="0" rtl="0" algn="l">
+              <a:spcBef>
+                <a:spcPts val="1200"/>
+              </a:spcBef>
+              <a:spcAft>
+                <a:spcPts val="1200"/>
+              </a:spcAft>
+              <a:buNone/>
+            </a:pPr>
+            <a:r>
+              <a:t/>
+            </a:r>
+            <a:endParaRPr/>
+          </a:p>
+        </p:txBody>
+      </p:sp>
+      <p:pic>
+        <p:nvPicPr>
+          <p:cNvPr id="267" name="Google Shape;267;p42"/>
+          <p:cNvPicPr preferRelativeResize="0"/>
+          <p:nvPr/>
+        </p:nvPicPr>
+        <p:blipFill>
+          <a:blip r:embed="rId3">
+            <a:alphaModFix/>
+          </a:blip>
+          <a:stretch>
+            <a:fillRect/>
+          </a:stretch>
+        </p:blipFill>
+        <p:spPr>
+          <a:xfrm>
+            <a:off x="377550" y="2424099"/>
+            <a:ext cx="6262100" cy="1613850"/>
+          </a:xfrm>
+          <a:prstGeom prst="rect">
+            <a:avLst/>
+          </a:prstGeom>
+          <a:noFill/>
+          <a:ln>
+            <a:noFill/>
+          </a:ln>
+        </p:spPr>
+      </p:pic>
+      <p:pic>
+        <p:nvPicPr>
+          <p:cNvPr id="268" name="Google Shape;268;p42"/>
+          <p:cNvPicPr preferRelativeResize="0"/>
+          <p:nvPr/>
+        </p:nvPicPr>
+        <p:blipFill>
+          <a:blip r:embed="rId4">
+            <a:alphaModFix/>
+          </a:blip>
+          <a:stretch>
+            <a:fillRect/>
+          </a:stretch>
+        </p:blipFill>
+        <p:spPr>
+          <a:xfrm>
+            <a:off x="0" y="4172870"/>
+            <a:ext cx="9144000" cy="804710"/>
+          </a:xfrm>
+          <a:prstGeom prst="rect">
+            <a:avLst/>
+          </a:prstGeom>
+          <a:noFill/>
+          <a:ln>
+            <a:noFill/>
+          </a:ln>
+        </p:spPr>
+      </p:pic>
+    </p:spTree>
+  </p:cSld>
+  <p:clrMapOvr>
+    <a:masterClrMapping/>
+  </p:clrMapOvr>
+  <p:timing>
+    <p:tnLst>
+      <p:par>
+        <p:cTn dur="indefinite" nodeType="tmRoot" restart="never">
+          <p:childTnLst>
+            <p:seq concurrent="1" nextAc="seek">
+              <p:cTn dur="indefinite" id="2" nodeType="mainSeq">
+                <p:childTnLst>
+                  <p:par>
+                    <p:cTn fill="hold">
+                      <p:stCondLst>
+                        <p:cond delay="indefinite"/>
+                      </p:stCondLst>
+                      <p:childTnLst>
+                        <p:par>
+                          <p:cTn fill="hold">
+                            <p:stCondLst>
+                              <p:cond delay="0"/>
+                            </p:stCondLst>
+                            <p:childTnLst>
+                              <p:par>
+                                <p:cTn fill="hold" nodeType="clickEffect" presetClass="entr" presetID="10" presetSubtype="0">
+                                  <p:stCondLst>
+                                    <p:cond delay="0"/>
+                                  </p:stCondLst>
+                                  <p:childTnLst>
+                                    <p:set>
+                                      <p:cBhvr>
+                                        <p:cTn dur="1" fill="hold">
+                                          <p:stCondLst>
+                                            <p:cond delay="0"/>
+                                          </p:stCondLst>
+                                        </p:cTn>
+                                        <p:tgtEl>
+                                          <p:spTgt spid="265"/>
+                                        </p:tgtEl>
+                                        <p:attrNameLst>
+                                          <p:attrName>style.visibility</p:attrName>
+                                        </p:attrNameLst>
+                                      </p:cBhvr>
+                                      <p:to>
+                                        <p:strVal val="visible"/>
+                                      </p:to>
+                                    </p:set>
+                                    <p:animEffect filter="fade" transition="in">
+                                      <p:cBhvr>
+                                        <p:cTn dur="1000"/>
+                                        <p:tgtEl>
+                                          <p:spTgt spid="265"/>
+                                        </p:tgtEl>
+                                      </p:cBhvr>
+                                    </p:animEffect>
+                                  </p:childTnLst>
+                                </p:cTn>
+                              </p:par>
+                            </p:childTnLst>
+                          </p:cTn>
+                        </p:par>
+                      </p:childTnLst>
+                    </p:cTn>
+                  </p:par>
+                  <p:par>
+                    <p:cTn fill="hold">
+                      <p:stCondLst>
+                        <p:cond delay="indefinite"/>
+                      </p:stCondLst>
+                      <p:childTnLst>
+                        <p:par>
+                          <p:cTn fill="hold">
+                            <p:stCondLst>
+                              <p:cond delay="0"/>
+                            </p:stCondLst>
+                            <p:childTnLst>
+                              <p:par>
+                                <p:cTn fill="hold" nodeType="clickEffect" presetClass="entr" presetID="10" presetSubtype="0">
+                                  <p:stCondLst>
+                                    <p:cond delay="0"/>
+                                  </p:stCondLst>
+                                  <p:childTnLst>
+                                    <p:set>
+                                      <p:cBhvr>
+                                        <p:cTn dur="1" fill="hold">
+                                          <p:stCondLst>
+                                            <p:cond delay="0"/>
+                                          </p:stCondLst>
+                                        </p:cTn>
+                                        <p:tgtEl>
+                                          <p:spTgt spid="265"/>
+                                        </p:tgtEl>
+                                        <p:attrNameLst>
+                                          <p:attrName>style.visibility</p:attrName>
+                                        </p:attrNameLst>
+                                      </p:cBhvr>
+                                      <p:to>
+                                        <p:strVal val="visible"/>
+                                      </p:to>
+                                    </p:set>
+                                    <p:animEffect filter="fade" transition="in">
+                                      <p:cBhvr>
+                                        <p:cTn dur="1000"/>
+                                        <p:tgtEl>
+                                          <p:spTgt spid="265"/>
+                                        </p:tgtEl>
+                                      </p:cBhvr>
+                                    </p:animEffect>
+                                  </p:childTnLst>
+                                </p:cTn>
+                              </p:par>
+                            </p:childTnLst>
+                          </p:cTn>
+                        </p:par>
+                      </p:childTnLst>
+                    </p:cTn>
+                  </p:par>
+                  <p:par>
+                    <p:cTn fill="hold">
+                      <p:stCondLst>
+                        <p:cond delay="indefinite"/>
+                      </p:stCondLst>
+                      <p:childTnLst>
+                        <p:par>
+                          <p:cTn fill="hold">
+                            <p:stCondLst>
+                              <p:cond delay="0"/>
+                            </p:stCondLst>
+                            <p:childTnLst>
+                              <p:par>
+                                <p:cTn fill="hold" nodeType="clickEffect" presetClass="entr" presetID="10" presetSubtype="0">
+                                  <p:stCondLst>
+                                    <p:cond delay="0"/>
+                                  </p:stCondLst>
+                                  <p:childTnLst>
+                                    <p:set>
+                                      <p:cBhvr>
+                                        <p:cTn dur="1" fill="hold">
+                                          <p:stCondLst>
+                                            <p:cond delay="0"/>
+                                          </p:stCondLst>
+                                        </p:cTn>
+                                        <p:tgtEl>
+                                          <p:spTgt spid="266"/>
+                                        </p:tgtEl>
+                                        <p:attrNameLst>
+                                          <p:attrName>style.visibility</p:attrName>
+                                        </p:attrNameLst>
+                                      </p:cBhvr>
+                                      <p:to>
+                                        <p:strVal val="visible"/>
+                                      </p:to>
+                                    </p:set>
+                                    <p:animEffect filter="fade" transition="in">
+                                      <p:cBhvr>
+                                        <p:cTn dur="1000"/>
+                                        <p:tgtEl>
+                                          <p:spTgt spid="266"/>
+                                        </p:tgtEl>
+                                      </p:cBhvr>
+                                    </p:animEffect>
+                                  </p:childTnLst>
+                                </p:cTn>
+                              </p:par>
+                            </p:childTnLst>
+                          </p:cTn>
+                        </p:par>
+                      </p:childTnLst>
+                    </p:cTn>
+                  </p:par>
+                  <p:par>
+                    <p:cTn fill="hold">
+                      <p:stCondLst>
+                        <p:cond delay="indefinite"/>
+                      </p:stCondLst>
+                      <p:childTnLst>
+                        <p:par>
+                          <p:cTn fill="hold">
+                            <p:stCondLst>
+                              <p:cond delay="0"/>
+                            </p:stCondLst>
+                            <p:childTnLst>
+                              <p:par>
+                                <p:cTn fill="hold" nodeType="clickEffect" presetClass="entr" presetID="2" presetSubtype="4">
+                                  <p:stCondLst>
+                                    <p:cond delay="0"/>
+                                  </p:stCondLst>
+                                  <p:childTnLst>
+                                    <p:set>
+                                      <p:cBhvr>
+                                        <p:cTn dur="1" fill="hold">
+                                          <p:stCondLst>
+                                            <p:cond delay="0"/>
+                                          </p:stCondLst>
+                                        </p:cTn>
+                                        <p:tgtEl>
+                                          <p:spTgt spid="267"/>
+                                        </p:tgtEl>
+                                        <p:attrNameLst>
+                                          <p:attrName>style.visibility</p:attrName>
+                                        </p:attrNameLst>
+                                      </p:cBhvr>
+                                      <p:to>
+                                        <p:strVal val="visible"/>
+                                      </p:to>
+                                    </p:set>
+                                    <p:anim calcmode="lin" valueType="num">
+                                      <p:cBhvr additive="base">
+                                        <p:cTn dur="1000"/>
+                                        <p:tgtEl>
+                                          <p:spTgt spid="267"/>
+                                        </p:tgtEl>
+                                        <p:attrNameLst>
+                                          <p:attrName>ppt_y</p:attrName>
+                                        </p:attrNameLst>
+                                      </p:cBhvr>
+                                      <p:tavLst>
+                                        <p:tav fmla="" tm="0">
+                                          <p:val>
+                                            <p:strVal val="#ppt_y+1"/>
+                                          </p:val>
+                                        </p:tav>
+                                        <p:tav fmla="" tm="100000">
+                                          <p:val>
+                                            <p:strVal val="#ppt_y"/>
+                                          </p:val>
+                                        </p:tav>
+                                      </p:tavLst>
+                                    </p:anim>
+                                  </p:childTnLst>
+                                </p:cTn>
+                              </p:par>
+                            </p:childTnLst>
+                          </p:cTn>
+                        </p:par>
+                      </p:childTnLst>
+                    </p:cTn>
+                  </p:par>
+                  <p:par>
+                    <p:cTn fill="hold">
+                      <p:stCondLst>
+                        <p:cond delay="indefinite"/>
+                      </p:stCondLst>
+                      <p:childTnLst>
+                        <p:par>
+                          <p:cTn fill="hold">
+                            <p:stCondLst>
+                              <p:cond delay="0"/>
+                            </p:stCondLst>
+                            <p:childTnLst>
+                              <p:par>
+                                <p:cTn fill="hold" nodeType="clickEffect" presetClass="entr" presetID="2" presetSubtype="4">
+                                  <p:stCondLst>
+                                    <p:cond delay="0"/>
+                                  </p:stCondLst>
+                                  <p:childTnLst>
+                                    <p:set>
+                                      <p:cBhvr>
+                                        <p:cTn dur="1" fill="hold">
+                                          <p:stCondLst>
+                                            <p:cond delay="0"/>
+                                          </p:stCondLst>
+                                        </p:cTn>
+                                        <p:tgtEl>
+                                          <p:spTgt spid="268"/>
+                                        </p:tgtEl>
+                                        <p:attrNameLst>
+                                          <p:attrName>style.visibility</p:attrName>
+                                        </p:attrNameLst>
+                                      </p:cBhvr>
+                                      <p:to>
+                                        <p:strVal val="visible"/>
+                                      </p:to>
+                                    </p:set>
+                                    <p:anim calcmode="lin" valueType="num">
+                                      <p:cBhvr additive="base">
+                                        <p:cTn dur="1000"/>
+                                        <p:tgtEl>
+                                          <p:spTgt spid="268"/>
+                                        </p:tgtEl>
+                                        <p:attrNameLst>
+                                          <p:attrName>ppt_y</p:attrName>
+                                        </p:attrNameLst>
+                                      </p:cBhvr>
+                                      <p:tavLst>
+                                        <p:tav fmla="" tm="0">
+                                          <p:val>
+                                            <p:strVal val="#ppt_y+1"/>
+                                          </p:val>
+                                        </p:tav>
+                                        <p:tav fmla="" tm="100000">
+                                          <p:val>
+                                            <p:strVal val="#ppt_y"/>
+                                          </p:val>
+                                        </p:tav>
+                                      </p:tavLst>
+                                    </p:anim>
+                                  </p:childTnLst>
+                                </p:cTn>
+                              </p:par>
+                            </p:childTnLst>
+                          </p:cTn>
+                        </p:par>
+                      </p:childTnLst>
+                    </p:cTn>
+                  </p:par>
+                </p:childTnLst>
+              </p:cTn>
+              <p:prevCondLst>
+                <p:cond evt="onPrev">
+                  <p:tgtEl>
+                    <p:sldTgt/>
+                  </p:tgtEl>
+                </p:cond>
+              </p:prevCondLst>
+              <p:nextCondLst>
+                <p:cond evt="onNext">
+                  <p:tgtEl>
+                    <p:sldTgt/>
+                  </p:tgtEl>
+                </p:cond>
+              </p:nextCondLst>
+            </p:seq>
+          </p:childTnLst>
+        </p:cTn>
+      </p:par>
+    </p:tnLst>
+  </p:timing>
+</p:sld>
+</file>
+
+<file path=ppt/slides/slide31.xml><?xml version="1.0" encoding="utf-8"?>
+<p:sld xmlns:a="http://schemas.openxmlformats.org/drawingml/2006/main" xmlns:r="http://schemas.openxmlformats.org/officeDocument/2006/relationships" xmlns:mc="http://schemas.openxmlformats.org/markup-compatibility/2006" xmlns:mv="urn:schemas-microsoft-com:mac:vml" xmlns:p="http://schemas.openxmlformats.org/presentationml/2006/main" xmlns:c="http://schemas.openxmlformats.org/drawingml/2006/chart" xmlns:dgm="http://schemas.openxmlformats.org/drawingml/2006/diagram" xmlns:o="urn:schemas-microsoft-com:office:office" xmlns:v="urn:schemas-microsoft-com:vml" xmlns:pvml="urn:schemas-microsoft-com:office:powerpoint" xmlns:com="http://schemas.openxmlformats.org/drawingml/2006/compatibility" xmlns:p14="http://schemas.microsoft.com/office/powerpoint/2010/main" xmlns:p15="http://schemas.microsoft.com/office/powerpoint/2012/main" xmlns:ahyp="http://schemas.microsoft.com/office/drawing/2018/hyperlinkcolor">
+  <p:cSld>
+    <p:spTree>
+      <p:nvGrpSpPr>
+        <p:cNvPr id="272" name="Shape 272"/>
+        <p:cNvGrpSpPr/>
+        <p:nvPr/>
+      </p:nvGrpSpPr>
+      <p:grpSpPr>
+        <a:xfrm>
+          <a:off x="0" y="0"/>
+          <a:ext cx="0" cy="0"/>
+          <a:chOff x="0" y="0"/>
+          <a:chExt cx="0" cy="0"/>
+        </a:xfrm>
+      </p:grpSpPr>
+      <p:sp>
+        <p:nvSpPr>
+          <p:cNvPr id="273" name="Google Shape;273;p43"/>
+          <p:cNvSpPr txBox="1"/>
+          <p:nvPr>
+            <p:ph type="title"/>
+          </p:nvPr>
+        </p:nvSpPr>
+        <p:spPr>
+          <a:xfrm>
+            <a:off x="311700" y="292850"/>
+            <a:ext cx="8520600" cy="801000"/>
+          </a:xfrm>
+          <a:prstGeom prst="rect">
+            <a:avLst/>
+          </a:prstGeom>
+        </p:spPr>
+        <p:txBody>
+          <a:bodyPr anchorCtr="0" anchor="t" bIns="91425" lIns="91425" spcFirstLastPara="1" rIns="91425" wrap="square" tIns="91425">
+            <a:noAutofit/>
+          </a:bodyPr>
+          <a:lstStyle/>
+          <a:p>
+            <a:pPr indent="0" lvl="0" marL="0" rtl="0" algn="l">
+              <a:spcBef>
+                <a:spcPts val="0"/>
+              </a:spcBef>
+              <a:spcAft>
+                <a:spcPts val="0"/>
+              </a:spcAft>
+              <a:buClr>
+                <a:srgbClr val="000000"/>
+              </a:buClr>
+              <a:buSzPts val="990"/>
+              <a:buFont typeface="Arial"/>
+              <a:buNone/>
+            </a:pPr>
+            <a:r>
+              <a:rPr lang="bg" sz="4072"/>
+              <a:t>Useful features of css - The Background-image property</a:t>
+            </a:r>
+            <a:endParaRPr sz="4072"/>
+          </a:p>
+          <a:p>
+            <a:pPr indent="0" lvl="0" marL="0" rtl="0" algn="l">
+              <a:spcBef>
+                <a:spcPts val="0"/>
+              </a:spcBef>
+              <a:spcAft>
+                <a:spcPts val="0"/>
+              </a:spcAft>
+              <a:buSzPts val="990"/>
+              <a:buNone/>
+            </a:pPr>
+            <a:r>
+              <a:t/>
+            </a:r>
+            <a:endParaRPr sz="3780"/>
+          </a:p>
+        </p:txBody>
+      </p:sp>
+      <p:sp>
+        <p:nvSpPr>
+          <p:cNvPr id="274" name="Google Shape;274;p43"/>
+          <p:cNvSpPr txBox="1"/>
+          <p:nvPr>
+            <p:ph idx="1" type="body"/>
+          </p:nvPr>
+        </p:nvSpPr>
+        <p:spPr>
+          <a:xfrm>
+            <a:off x="311700" y="1228675"/>
+            <a:ext cx="8520600" cy="3340200"/>
+          </a:xfrm>
+          <a:prstGeom prst="rect">
+            <a:avLst/>
+          </a:prstGeom>
+        </p:spPr>
+        <p:txBody>
+          <a:bodyPr anchorCtr="0" anchor="t" bIns="91425" lIns="91425" spcFirstLastPara="1" rIns="91425" wrap="square" tIns="91425">
+            <a:normAutofit/>
+          </a:bodyPr>
+          <a:lstStyle/>
+          <a:p>
+            <a:pPr indent="0" lvl="0" marL="0" rtl="0" algn="l">
+              <a:spcBef>
+                <a:spcPts val="0"/>
+              </a:spcBef>
+              <a:spcAft>
+                <a:spcPts val="1200"/>
+              </a:spcAft>
+              <a:buNone/>
+            </a:pPr>
+            <a:r>
+              <a:rPr lang="bg">
+                <a:solidFill>
+                  <a:schemeClr val="accent1"/>
+                </a:solidFill>
+              </a:rPr>
+              <a:t>Or we can use it to add gradient to the background(set the background color to a gradient). Today we will see only linear gradient as it is the most popular.</a:t>
+            </a:r>
+            <a:endParaRPr>
+              <a:solidFill>
+                <a:schemeClr val="accent1"/>
+              </a:solidFill>
+            </a:endParaRPr>
+          </a:p>
+        </p:txBody>
+      </p:sp>
+      <p:pic>
+        <p:nvPicPr>
+          <p:cNvPr id="275" name="Google Shape;275;p43"/>
+          <p:cNvPicPr preferRelativeResize="0"/>
+          <p:nvPr/>
+        </p:nvPicPr>
+        <p:blipFill>
+          <a:blip r:embed="rId3">
+            <a:alphaModFix/>
+          </a:blip>
+          <a:stretch>
+            <a:fillRect/>
+          </a:stretch>
+        </p:blipFill>
+        <p:spPr>
+          <a:xfrm>
+            <a:off x="311700" y="2446600"/>
+            <a:ext cx="8520601" cy="868497"/>
+          </a:xfrm>
+          <a:prstGeom prst="rect">
+            <a:avLst/>
+          </a:prstGeom>
+          <a:noFill/>
+          <a:ln>
+            <a:noFill/>
+          </a:ln>
+        </p:spPr>
+      </p:pic>
+      <p:sp>
+        <p:nvSpPr>
+          <p:cNvPr id="276" name="Google Shape;276;p43"/>
+          <p:cNvSpPr txBox="1"/>
+          <p:nvPr/>
+        </p:nvSpPr>
+        <p:spPr>
+          <a:xfrm>
+            <a:off x="311700" y="3558075"/>
+            <a:ext cx="8435400" cy="738900"/>
+          </a:xfrm>
+          <a:prstGeom prst="rect">
+            <a:avLst/>
+          </a:prstGeom>
+          <a:noFill/>
+          <a:ln>
+            <a:noFill/>
+          </a:ln>
+        </p:spPr>
+        <p:txBody>
+          <a:bodyPr anchorCtr="0" anchor="t" bIns="91425" lIns="91425" spcFirstLastPara="1" rIns="91425" wrap="square" tIns="91425">
+            <a:spAutoFit/>
+          </a:bodyPr>
+          <a:lstStyle/>
+          <a:p>
+            <a:pPr indent="0" lvl="0" marL="0" rtl="0" algn="l">
+              <a:spcBef>
+                <a:spcPts val="0"/>
+              </a:spcBef>
+              <a:spcAft>
+                <a:spcPts val="0"/>
+              </a:spcAft>
+              <a:buNone/>
+            </a:pPr>
+            <a:r>
+              <a:rPr lang="bg" sz="1800">
+                <a:solidFill>
+                  <a:schemeClr val="accent1"/>
+                </a:solidFill>
+                <a:latin typeface="Source Code Pro"/>
+                <a:ea typeface="Source Code Pro"/>
+                <a:cs typeface="Source Code Pro"/>
+                <a:sym typeface="Source Code Pro"/>
+              </a:rPr>
+              <a:t>First</a:t>
+            </a:r>
+            <a:r>
+              <a:rPr lang="bg" sz="1800">
+                <a:solidFill>
+                  <a:schemeClr val="accent1"/>
+                </a:solidFill>
+                <a:latin typeface="Source Code Pro"/>
+                <a:ea typeface="Source Code Pro"/>
+                <a:cs typeface="Source Code Pro"/>
+                <a:sym typeface="Source Code Pro"/>
+              </a:rPr>
+              <a:t> we specify the direction of the gradient, then we list the colors - we can have unlimited colors</a:t>
+            </a:r>
+            <a:endParaRPr sz="1800">
+              <a:solidFill>
+                <a:schemeClr val="accent1"/>
+              </a:solidFill>
+              <a:latin typeface="Source Code Pro"/>
+              <a:ea typeface="Source Code Pro"/>
+              <a:cs typeface="Source Code Pro"/>
+              <a:sym typeface="Source Code Pro"/>
+            </a:endParaRPr>
+          </a:p>
+        </p:txBody>
+      </p:sp>
+    </p:spTree>
+  </p:cSld>
+  <p:clrMapOvr>
+    <a:masterClrMapping/>
+  </p:clrMapOvr>
+  <p:timing>
+    <p:tnLst>
+      <p:par>
+        <p:cTn dur="indefinite" nodeType="tmRoot" restart="never">
+          <p:childTnLst>
+            <p:seq concurrent="1" nextAc="seek">
+              <p:cTn dur="indefinite" id="2" nodeType="mainSeq">
+                <p:childTnLst>
+                  <p:par>
+                    <p:cTn fill="hold">
+                      <p:stCondLst>
+                        <p:cond delay="indefinite"/>
+                      </p:stCondLst>
+                      <p:childTnLst>
+                        <p:par>
+                          <p:cTn fill="hold">
+                            <p:stCondLst>
+                              <p:cond delay="0"/>
+                            </p:stCondLst>
+                            <p:childTnLst>
+                              <p:par>
+                                <p:cTn fill="hold" nodeType="clickEffect" presetClass="entr" presetID="2" presetSubtype="4">
+                                  <p:stCondLst>
+                                    <p:cond delay="0"/>
+                                  </p:stCondLst>
+                                  <p:childTnLst>
+                                    <p:set>
+                                      <p:cBhvr>
+                                        <p:cTn dur="1" fill="hold">
+                                          <p:stCondLst>
+                                            <p:cond delay="0"/>
+                                          </p:stCondLst>
+                                        </p:cTn>
+                                        <p:tgtEl>
+                                          <p:spTgt spid="274"/>
+                                        </p:tgtEl>
+                                        <p:attrNameLst>
+                                          <p:attrName>style.visibility</p:attrName>
+                                        </p:attrNameLst>
+                                      </p:cBhvr>
+                                      <p:to>
+                                        <p:strVal val="visible"/>
+                                      </p:to>
+                                    </p:set>
+                                    <p:anim calcmode="lin" valueType="num">
+                                      <p:cBhvr additive="base">
+                                        <p:cTn dur="1000"/>
+                                        <p:tgtEl>
+                                          <p:spTgt spid="274"/>
+                                        </p:tgtEl>
+                                        <p:attrNameLst>
+                                          <p:attrName>ppt_y</p:attrName>
+                                        </p:attrNameLst>
+                                      </p:cBhvr>
+                                      <p:tavLst>
+                                        <p:tav fmla="" tm="0">
+                                          <p:val>
+                                            <p:strVal val="#ppt_y+1"/>
+                                          </p:val>
+                                        </p:tav>
+                                        <p:tav fmla="" tm="100000">
+                                          <p:val>
+                                            <p:strVal val="#ppt_y"/>
+                                          </p:val>
+                                        </p:tav>
+                                      </p:tavLst>
+                                    </p:anim>
+                                  </p:childTnLst>
+                                </p:cTn>
+                              </p:par>
+                            </p:childTnLst>
+                          </p:cTn>
+                        </p:par>
+                      </p:childTnLst>
+                    </p:cTn>
+                  </p:par>
+                  <p:par>
+                    <p:cTn fill="hold">
+                      <p:stCondLst>
+                        <p:cond delay="indefinite"/>
+                      </p:stCondLst>
+                      <p:childTnLst>
+                        <p:par>
+                          <p:cTn fill="hold">
+                            <p:stCondLst>
+                              <p:cond delay="0"/>
+                            </p:stCondLst>
+                            <p:childTnLst>
+                              <p:par>
+                                <p:cTn fill="hold" nodeType="clickEffect" presetClass="entr" presetID="2" presetSubtype="4">
+                                  <p:stCondLst>
+                                    <p:cond delay="0"/>
+                                  </p:stCondLst>
+                                  <p:childTnLst>
+                                    <p:set>
+                                      <p:cBhvr>
+                                        <p:cTn dur="1" fill="hold">
+                                          <p:stCondLst>
+                                            <p:cond delay="0"/>
+                                          </p:stCondLst>
+                                        </p:cTn>
+                                        <p:tgtEl>
+                                          <p:spTgt spid="275"/>
+                                        </p:tgtEl>
+                                        <p:attrNameLst>
+                                          <p:attrName>style.visibility</p:attrName>
+                                        </p:attrNameLst>
+                                      </p:cBhvr>
+                                      <p:to>
+                                        <p:strVal val="visible"/>
+                                      </p:to>
+                                    </p:set>
+                                    <p:anim calcmode="lin" valueType="num">
+                                      <p:cBhvr additive="base">
+                                        <p:cTn dur="1"/>
+                                        <p:tgtEl>
+                                          <p:spTgt spid="275"/>
+                                        </p:tgtEl>
+                                        <p:attrNameLst>
+                                          <p:attrName>ppt_y</p:attrName>
+                                        </p:attrNameLst>
+                                      </p:cBhvr>
+                                      <p:tavLst>
+                                        <p:tav fmla="" tm="0">
+                                          <p:val>
+                                            <p:strVal val="#ppt_y+1"/>
+                                          </p:val>
+                                        </p:tav>
+                                        <p:tav fmla="" tm="100000">
+                                          <p:val>
+                                            <p:strVal val="#ppt_y"/>
+                                          </p:val>
+                                        </p:tav>
+                                      </p:tavLst>
+                                    </p:anim>
+                                  </p:childTnLst>
+                                </p:cTn>
+                              </p:par>
+                            </p:childTnLst>
+                          </p:cTn>
+                        </p:par>
+                      </p:childTnLst>
+                    </p:cTn>
+                  </p:par>
+                  <p:par>
+                    <p:cTn fill="hold">
+                      <p:stCondLst>
+                        <p:cond delay="indefinite"/>
+                      </p:stCondLst>
+                      <p:childTnLst>
+                        <p:par>
+                          <p:cTn fill="hold">
+                            <p:stCondLst>
+                              <p:cond delay="0"/>
+                            </p:stCondLst>
+                            <p:childTnLst>
+                              <p:par>
+                                <p:cTn fill="hold" nodeType="clickEffect" presetClass="entr" presetID="2" presetSubtype="4">
+                                  <p:stCondLst>
+                                    <p:cond delay="0"/>
+                                  </p:stCondLst>
+                                  <p:childTnLst>
+                                    <p:set>
+                                      <p:cBhvr>
+                                        <p:cTn dur="1" fill="hold">
+                                          <p:stCondLst>
+                                            <p:cond delay="0"/>
+                                          </p:stCondLst>
+                                        </p:cTn>
+                                        <p:tgtEl>
+                                          <p:spTgt spid="276"/>
+                                        </p:tgtEl>
+                                        <p:attrNameLst>
+                                          <p:attrName>style.visibility</p:attrName>
+                                        </p:attrNameLst>
+                                      </p:cBhvr>
+                                      <p:to>
+                                        <p:strVal val="visible"/>
+                                      </p:to>
+                                    </p:set>
+                                    <p:anim calcmode="lin" valueType="num">
+                                      <p:cBhvr additive="base">
+                                        <p:cTn dur="1000"/>
+                                        <p:tgtEl>
+                                          <p:spTgt spid="276"/>
+                                        </p:tgtEl>
+                                        <p:attrNameLst>
+                                          <p:attrName>ppt_y</p:attrName>
+                                        </p:attrNameLst>
+                                      </p:cBhvr>
+                                      <p:tavLst>
+                                        <p:tav fmla="" tm="0">
+                                          <p:val>
+                                            <p:strVal val="#ppt_y+1"/>
+                                          </p:val>
+                                        </p:tav>
+                                        <p:tav fmla="" tm="100000">
+                                          <p:val>
+                                            <p:strVal val="#ppt_y"/>
+                                          </p:val>
+                                        </p:tav>
+                                      </p:tavLst>
+                                    </p:anim>
+                                  </p:childTnLst>
+                                </p:cTn>
+                              </p:par>
+                            </p:childTnLst>
+                          </p:cTn>
+                        </p:par>
+                      </p:childTnLst>
+                    </p:cTn>
+                  </p:par>
+                </p:childTnLst>
+              </p:cTn>
+              <p:prevCondLst>
+                <p:cond evt="onPrev">
+                  <p:tgtEl>
+                    <p:sldTgt/>
+                  </p:tgtEl>
+                </p:cond>
+              </p:prevCondLst>
+              <p:nextCondLst>
+                <p:cond evt="onNext">
+                  <p:tgtEl>
+                    <p:sldTgt/>
+                  </p:tgtEl>
+                </p:cond>
+              </p:nextCondLst>
+            </p:seq>
+          </p:childTnLst>
+        </p:cTn>
+      </p:par>
+    </p:tnLst>
+  </p:timing>
+</p:sld>
+</file>
+
+<file path=ppt/slides/slide32.xml><?xml version="1.0" encoding="utf-8"?>
+<p:sld xmlns:a="http://schemas.openxmlformats.org/drawingml/2006/main" xmlns:r="http://schemas.openxmlformats.org/officeDocument/2006/relationships" xmlns:mc="http://schemas.openxmlformats.org/markup-compatibility/2006" xmlns:mv="urn:schemas-microsoft-com:mac:vml" xmlns:p="http://schemas.openxmlformats.org/presentationml/2006/main" xmlns:c="http://schemas.openxmlformats.org/drawingml/2006/chart" xmlns:dgm="http://schemas.openxmlformats.org/drawingml/2006/diagram" xmlns:o="urn:schemas-microsoft-com:office:office" xmlns:v="urn:schemas-microsoft-com:vml" xmlns:pvml="urn:schemas-microsoft-com:office:powerpoint" xmlns:com="http://schemas.openxmlformats.org/drawingml/2006/compatibility" xmlns:p14="http://schemas.microsoft.com/office/powerpoint/2010/main" xmlns:p15="http://schemas.microsoft.com/office/powerpoint/2012/main" xmlns:ahyp="http://schemas.microsoft.com/office/drawing/2018/hyperlinkcolor">
+  <p:cSld>
+    <p:spTree>
+      <p:nvGrpSpPr>
+        <p:cNvPr id="280" name="Shape 280"/>
+        <p:cNvGrpSpPr/>
+        <p:nvPr/>
+      </p:nvGrpSpPr>
+      <p:grpSpPr>
+        <a:xfrm>
+          <a:off x="0" y="0"/>
+          <a:ext cx="0" cy="0"/>
+          <a:chOff x="0" y="0"/>
+          <a:chExt cx="0" cy="0"/>
+        </a:xfrm>
+      </p:grpSpPr>
+      <p:sp>
+        <p:nvSpPr>
+          <p:cNvPr id="281" name="Google Shape;281;p44"/>
+          <p:cNvSpPr txBox="1"/>
+          <p:nvPr>
+            <p:ph type="title"/>
+          </p:nvPr>
+        </p:nvSpPr>
+        <p:spPr>
+          <a:xfrm>
+            <a:off x="311700" y="292850"/>
+            <a:ext cx="8520600" cy="801000"/>
+          </a:xfrm>
+          <a:prstGeom prst="rect">
+            <a:avLst/>
+          </a:prstGeom>
+        </p:spPr>
+        <p:txBody>
+          <a:bodyPr anchorCtr="0" anchor="t" bIns="91425" lIns="91425" spcFirstLastPara="1" rIns="91425" wrap="square" tIns="91425">
+            <a:noAutofit/>
+          </a:bodyPr>
+          <a:lstStyle/>
+          <a:p>
+            <a:pPr indent="0" lvl="0" marL="0" rtl="0" algn="l">
+              <a:spcBef>
+                <a:spcPts val="0"/>
+              </a:spcBef>
+              <a:spcAft>
+                <a:spcPts val="0"/>
+              </a:spcAft>
+              <a:buClr>
+                <a:srgbClr val="000000"/>
+              </a:buClr>
+              <a:buSzPts val="990"/>
+              <a:buFont typeface="Arial"/>
+              <a:buNone/>
+            </a:pPr>
+            <a:r>
+              <a:rPr lang="bg" sz="4064"/>
+              <a:t>Useful features of css - The Background-image property</a:t>
+            </a:r>
+            <a:endParaRPr sz="4064"/>
+          </a:p>
+          <a:p>
+            <a:pPr indent="0" lvl="0" marL="0" rtl="0" algn="l">
+              <a:spcBef>
+                <a:spcPts val="0"/>
+              </a:spcBef>
+              <a:spcAft>
+                <a:spcPts val="0"/>
+              </a:spcAft>
+              <a:buSzPts val="990"/>
+              <a:buNone/>
+            </a:pPr>
+            <a:r>
+              <a:t/>
+            </a:r>
+            <a:endParaRPr sz="3780"/>
+          </a:p>
+        </p:txBody>
+      </p:sp>
+      <p:sp>
+        <p:nvSpPr>
+          <p:cNvPr id="282" name="Google Shape;282;p44"/>
+          <p:cNvSpPr txBox="1"/>
+          <p:nvPr>
+            <p:ph idx="1" type="body"/>
+          </p:nvPr>
+        </p:nvSpPr>
+        <p:spPr>
+          <a:xfrm>
+            <a:off x="311700" y="1833925"/>
+            <a:ext cx="8520600" cy="2735100"/>
+          </a:xfrm>
+          <a:prstGeom prst="rect">
+            <a:avLst/>
+          </a:prstGeom>
+        </p:spPr>
+        <p:txBody>
+          <a:bodyPr anchorCtr="0" anchor="t" bIns="91425" lIns="91425" spcFirstLastPara="1" rIns="91425" wrap="square" tIns="91425">
+            <a:normAutofit/>
+          </a:bodyPr>
+          <a:lstStyle/>
+          <a:p>
+            <a:pPr indent="0" lvl="0" marL="0" rtl="0" algn="l">
+              <a:spcBef>
+                <a:spcPts val="0"/>
+              </a:spcBef>
+              <a:spcAft>
+                <a:spcPts val="1200"/>
+              </a:spcAft>
+              <a:buNone/>
+            </a:pPr>
+            <a:r>
+              <a:rPr lang="bg" sz="2100">
+                <a:solidFill>
+                  <a:schemeClr val="accent1"/>
+                </a:solidFill>
+              </a:rPr>
+              <a:t>We get the following </a:t>
+            </a:r>
+            <a:r>
+              <a:rPr lang="bg" sz="2100">
+                <a:solidFill>
+                  <a:schemeClr val="accent1"/>
+                </a:solidFill>
+              </a:rPr>
+              <a:t>result:</a:t>
+            </a:r>
+            <a:endParaRPr sz="2100">
+              <a:solidFill>
+                <a:schemeClr val="accent1"/>
+              </a:solidFill>
+            </a:endParaRPr>
+          </a:p>
+        </p:txBody>
+      </p:sp>
+      <p:pic>
+        <p:nvPicPr>
+          <p:cNvPr id="283" name="Google Shape;283;p44"/>
+          <p:cNvPicPr preferRelativeResize="0"/>
+          <p:nvPr/>
+        </p:nvPicPr>
+        <p:blipFill>
+          <a:blip r:embed="rId3">
+            <a:alphaModFix/>
+          </a:blip>
+          <a:stretch>
+            <a:fillRect/>
+          </a:stretch>
+        </p:blipFill>
+        <p:spPr>
+          <a:xfrm>
+            <a:off x="263525" y="2390688"/>
+            <a:ext cx="8520599" cy="708932"/>
+          </a:xfrm>
+          <a:prstGeom prst="rect">
+            <a:avLst/>
+          </a:prstGeom>
+          <a:noFill/>
+          <a:ln>
+            <a:noFill/>
+          </a:ln>
+        </p:spPr>
+      </p:pic>
+    </p:spTree>
+  </p:cSld>
+  <p:clrMapOvr>
+    <a:masterClrMapping/>
+  </p:clrMapOvr>
+  <p:timing>
+    <p:tnLst>
+      <p:par>
+        <p:cTn dur="indefinite" nodeType="tmRoot" restart="never">
+          <p:childTnLst>
+            <p:seq concurrent="1" nextAc="seek">
+              <p:cTn dur="indefinite" id="2" nodeType="mainSeq">
+                <p:childTnLst>
+                  <p:par>
+                    <p:cTn fill="hold">
+                      <p:stCondLst>
+                        <p:cond delay="indefinite"/>
+                      </p:stCondLst>
+                      <p:childTnLst>
+                        <p:par>
+                          <p:cTn fill="hold">
+                            <p:stCondLst>
+                              <p:cond delay="0"/>
+                            </p:stCondLst>
+                            <p:childTnLst>
+                              <p:par>
+                                <p:cTn fill="hold" nodeType="clickEffect" presetClass="entr" presetID="10" presetSubtype="0">
+                                  <p:stCondLst>
+                                    <p:cond delay="0"/>
+                                  </p:stCondLst>
+                                  <p:childTnLst>
+                                    <p:set>
+                                      <p:cBhvr>
+                                        <p:cTn dur="1" fill="hold">
+                                          <p:stCondLst>
+                                            <p:cond delay="0"/>
+                                          </p:stCondLst>
+                                        </p:cTn>
+                                        <p:tgtEl>
+                                          <p:spTgt spid="282"/>
+                                        </p:tgtEl>
+                                        <p:attrNameLst>
+                                          <p:attrName>style.visibility</p:attrName>
+                                        </p:attrNameLst>
+                                      </p:cBhvr>
+                                      <p:to>
+                                        <p:strVal val="visible"/>
+                                      </p:to>
+                                    </p:set>
+                                    <p:animEffect filter="fade" transition="in">
+                                      <p:cBhvr>
+                                        <p:cTn dur="1000"/>
+                                        <p:tgtEl>
+                                          <p:spTgt spid="282"/>
+                                        </p:tgtEl>
+                                      </p:cBhvr>
+                                    </p:animEffect>
+                                  </p:childTnLst>
+                                </p:cTn>
+                              </p:par>
+                            </p:childTnLst>
+                          </p:cTn>
+                        </p:par>
+                      </p:childTnLst>
+                    </p:cTn>
+                  </p:par>
+                  <p:par>
+                    <p:cTn fill="hold">
+                      <p:stCondLst>
+                        <p:cond delay="indefinite"/>
+                      </p:stCondLst>
+                      <p:childTnLst>
+                        <p:par>
+                          <p:cTn fill="hold">
+                            <p:stCondLst>
+                              <p:cond delay="0"/>
+                            </p:stCondLst>
+                            <p:childTnLst>
+                              <p:par>
+                                <p:cTn fill="hold" nodeType="clickEffect" presetClass="entr" presetID="2" presetSubtype="4">
+                                  <p:stCondLst>
+                                    <p:cond delay="0"/>
+                                  </p:stCondLst>
+                                  <p:childTnLst>
+                                    <p:set>
+                                      <p:cBhvr>
+                                        <p:cTn dur="1" fill="hold">
+                                          <p:stCondLst>
+                                            <p:cond delay="0"/>
+                                          </p:stCondLst>
+                                        </p:cTn>
+                                        <p:tgtEl>
+                                          <p:spTgt spid="283"/>
+                                        </p:tgtEl>
+                                        <p:attrNameLst>
+                                          <p:attrName>style.visibility</p:attrName>
+                                        </p:attrNameLst>
+                                      </p:cBhvr>
+                                      <p:to>
+                                        <p:strVal val="visible"/>
+                                      </p:to>
+                                    </p:set>
+                                    <p:anim calcmode="lin" valueType="num">
+                                      <p:cBhvr additive="base">
+                                        <p:cTn dur="1000"/>
+                                        <p:tgtEl>
+                                          <p:spTgt spid="283"/>
+                                        </p:tgtEl>
+                                        <p:attrNameLst>
+                                          <p:attrName>ppt_y</p:attrName>
+                                        </p:attrNameLst>
+                                      </p:cBhvr>
+                                      <p:tavLst>
+                                        <p:tav fmla="" tm="0">
+                                          <p:val>
+                                            <p:strVal val="#ppt_y+1"/>
+                                          </p:val>
+                                        </p:tav>
+                                        <p:tav fmla="" tm="100000">
+                                          <p:val>
+                                            <p:strVal val="#ppt_y"/>
+                                          </p:val>
+                                        </p:tav>
+                                      </p:tavLst>
+                                    </p:anim>
+                                  </p:childTnLst>
+                                </p:cTn>
+                              </p:par>
+                            </p:childTnLst>
+                          </p:cTn>
+                        </p:par>
+                      </p:childTnLst>
+                    </p:cTn>
+                  </p:par>
+                </p:childTnLst>
+              </p:cTn>
+              <p:prevCondLst>
+                <p:cond evt="onPrev">
+                  <p:tgtEl>
+                    <p:sldTgt/>
+                  </p:tgtEl>
+                </p:cond>
+              </p:prevCondLst>
+              <p:nextCondLst>
+                <p:cond evt="onNext">
+                  <p:tgtEl>
+                    <p:sldTgt/>
+                  </p:tgtEl>
+                </p:cond>
+              </p:nextCondLst>
+            </p:seq>
+          </p:childTnLst>
+        </p:cTn>
+      </p:par>
+    </p:tnLst>
+  </p:timing>
+</p:sld>
+</file>
+
+<file path=ppt/slides/slide33.xml><?xml version="1.0" encoding="utf-8"?>
+<p:sld xmlns:a="http://schemas.openxmlformats.org/drawingml/2006/main" xmlns:r="http://schemas.openxmlformats.org/officeDocument/2006/relationships" xmlns:mc="http://schemas.openxmlformats.org/markup-compatibility/2006" xmlns:mv="urn:schemas-microsoft-com:mac:vml" xmlns:p="http://schemas.openxmlformats.org/presentationml/2006/main" xmlns:c="http://schemas.openxmlformats.org/drawingml/2006/chart" xmlns:dgm="http://schemas.openxmlformats.org/drawingml/2006/diagram" xmlns:o="urn:schemas-microsoft-com:office:office" xmlns:v="urn:schemas-microsoft-com:vml" xmlns:pvml="urn:schemas-microsoft-com:office:powerpoint" xmlns:com="http://schemas.openxmlformats.org/drawingml/2006/compatibility" xmlns:p14="http://schemas.microsoft.com/office/powerpoint/2010/main" xmlns:p15="http://schemas.microsoft.com/office/powerpoint/2012/main" xmlns:ahyp="http://schemas.microsoft.com/office/drawing/2018/hyperlinkcolor">
+  <p:cSld>
+    <p:spTree>
+      <p:nvGrpSpPr>
+        <p:cNvPr id="287" name="Shape 287"/>
+        <p:cNvGrpSpPr/>
+        <p:nvPr/>
+      </p:nvGrpSpPr>
+      <p:grpSpPr>
+        <a:xfrm>
+          <a:off x="0" y="0"/>
+          <a:ext cx="0" cy="0"/>
+          <a:chOff x="0" y="0"/>
+          <a:chExt cx="0" cy="0"/>
+        </a:xfrm>
+      </p:grpSpPr>
+      <p:sp>
+        <p:nvSpPr>
+          <p:cNvPr id="288" name="Google Shape;288;p45"/>
+          <p:cNvSpPr txBox="1"/>
+          <p:nvPr>
+            <p:ph type="title"/>
+          </p:nvPr>
+        </p:nvSpPr>
+        <p:spPr>
+          <a:xfrm>
+            <a:off x="311700" y="292850"/>
+            <a:ext cx="8520600" cy="801000"/>
+          </a:xfrm>
+          <a:prstGeom prst="rect">
+            <a:avLst/>
+          </a:prstGeom>
+        </p:spPr>
+        <p:txBody>
+          <a:bodyPr anchorCtr="0" anchor="t" bIns="91425" lIns="91425" spcFirstLastPara="1" rIns="91425" wrap="square" tIns="91425">
+            <a:noAutofit/>
+          </a:bodyPr>
+          <a:lstStyle/>
+          <a:p>
+            <a:pPr indent="0" lvl="0" marL="0" rtl="0" algn="l">
+              <a:spcBef>
+                <a:spcPts val="0"/>
+              </a:spcBef>
+              <a:spcAft>
+                <a:spcPts val="0"/>
+              </a:spcAft>
+              <a:buClr>
+                <a:srgbClr val="000000"/>
+              </a:buClr>
+              <a:buSzPts val="990"/>
+              <a:buFont typeface="Arial"/>
+              <a:buNone/>
+            </a:pPr>
+            <a:r>
+              <a:rPr lang="bg" sz="4058"/>
+              <a:t>Useful features of css - The Before and after property</a:t>
+            </a:r>
+            <a:endParaRPr sz="4058"/>
+          </a:p>
+          <a:p>
+            <a:pPr indent="0" lvl="0" marL="0" rtl="0" algn="l">
+              <a:spcBef>
+                <a:spcPts val="0"/>
+              </a:spcBef>
+              <a:spcAft>
+                <a:spcPts val="0"/>
+              </a:spcAft>
+              <a:buSzPts val="990"/>
+              <a:buNone/>
+            </a:pPr>
+            <a:r>
+              <a:t/>
+            </a:r>
+            <a:endParaRPr sz="3780"/>
+          </a:p>
+        </p:txBody>
+      </p:sp>
+      <p:sp>
+        <p:nvSpPr>
+          <p:cNvPr id="289" name="Google Shape;289;p45"/>
+          <p:cNvSpPr txBox="1"/>
+          <p:nvPr>
+            <p:ph idx="1" type="body"/>
+          </p:nvPr>
+        </p:nvSpPr>
+        <p:spPr>
+          <a:xfrm>
+            <a:off x="311700" y="1228675"/>
+            <a:ext cx="8520600" cy="3340200"/>
+          </a:xfrm>
+          <a:prstGeom prst="rect">
+            <a:avLst/>
+          </a:prstGeom>
+        </p:spPr>
+        <p:txBody>
+          <a:bodyPr anchorCtr="0" anchor="t" bIns="91425" lIns="91425" spcFirstLastPara="1" rIns="91425" wrap="square" tIns="91425">
+            <a:normAutofit/>
+          </a:bodyPr>
+          <a:lstStyle/>
+          <a:p>
+            <a:pPr indent="0" lvl="0" marL="0" rtl="0" algn="l">
+              <a:spcBef>
+                <a:spcPts val="0"/>
+              </a:spcBef>
+              <a:spcAft>
+                <a:spcPts val="0"/>
+              </a:spcAft>
+              <a:buNone/>
+            </a:pPr>
+            <a:r>
+              <a:rPr lang="bg">
+                <a:solidFill>
+                  <a:schemeClr val="accent1"/>
+                </a:solidFill>
+              </a:rPr>
+              <a:t>In CSS we can add an element before or after an element. This element is </a:t>
+            </a:r>
+            <a:r>
+              <a:rPr lang="bg">
+                <a:solidFill>
+                  <a:schemeClr val="accent1"/>
+                </a:solidFill>
+              </a:rPr>
+              <a:t>entirely</a:t>
+            </a:r>
+            <a:r>
+              <a:rPr lang="bg">
+                <a:solidFill>
+                  <a:schemeClr val="accent1"/>
+                </a:solidFill>
+              </a:rPr>
+              <a:t> created in CSS.</a:t>
+            </a:r>
+            <a:endParaRPr>
+              <a:solidFill>
+                <a:schemeClr val="accent1"/>
+              </a:solidFill>
+            </a:endParaRPr>
+          </a:p>
+          <a:p>
+            <a:pPr indent="0" lvl="0" marL="0" rtl="0" algn="l">
+              <a:spcBef>
+                <a:spcPts val="1200"/>
+              </a:spcBef>
+              <a:spcAft>
+                <a:spcPts val="0"/>
+              </a:spcAft>
+              <a:buNone/>
+            </a:pPr>
+            <a:r>
+              <a:rPr lang="bg">
+                <a:solidFill>
+                  <a:schemeClr val="accent1"/>
+                </a:solidFill>
+              </a:rPr>
+              <a:t>The </a:t>
+            </a:r>
+            <a:r>
+              <a:rPr lang="bg">
+                <a:solidFill>
+                  <a:schemeClr val="accent5"/>
+                </a:solidFill>
+              </a:rPr>
+              <a:t>::before</a:t>
+            </a:r>
+            <a:r>
+              <a:rPr lang="bg">
+                <a:solidFill>
+                  <a:schemeClr val="accent1"/>
+                </a:solidFill>
+              </a:rPr>
+              <a:t> property is a </a:t>
+            </a:r>
+            <a:r>
+              <a:rPr lang="bg">
+                <a:solidFill>
+                  <a:schemeClr val="accent1"/>
+                </a:solidFill>
+              </a:rPr>
+              <a:t>pseudo</a:t>
+            </a:r>
+            <a:r>
+              <a:rPr lang="bg">
+                <a:solidFill>
+                  <a:schemeClr val="accent1"/>
+                </a:solidFill>
+              </a:rPr>
+              <a:t> class and it creates a </a:t>
+            </a:r>
+            <a:r>
+              <a:rPr lang="bg">
+                <a:solidFill>
+                  <a:schemeClr val="accent1"/>
+                </a:solidFill>
+              </a:rPr>
+              <a:t>virtual</a:t>
+            </a:r>
+            <a:r>
+              <a:rPr lang="bg">
+                <a:solidFill>
+                  <a:schemeClr val="accent1"/>
+                </a:solidFill>
+              </a:rPr>
+              <a:t> div before the element. The div acts like it has position relative - we have to specify how many pixels it is from the top, bottom, left and right of the element.</a:t>
+            </a:r>
+            <a:endParaRPr>
+              <a:solidFill>
+                <a:schemeClr val="accent1"/>
+              </a:solidFill>
+            </a:endParaRPr>
+          </a:p>
+          <a:p>
+            <a:pPr indent="0" lvl="0" marL="0" rtl="0" algn="l">
+              <a:spcBef>
+                <a:spcPts val="1200"/>
+              </a:spcBef>
+              <a:spcAft>
+                <a:spcPts val="1200"/>
+              </a:spcAft>
+              <a:buNone/>
+            </a:pPr>
+            <a:r>
+              <a:rPr lang="bg">
+                <a:solidFill>
+                  <a:schemeClr val="accent1"/>
+                </a:solidFill>
+              </a:rPr>
+              <a:t>The </a:t>
+            </a:r>
+            <a:r>
+              <a:rPr lang="bg">
+                <a:solidFill>
+                  <a:schemeClr val="accent5"/>
+                </a:solidFill>
+              </a:rPr>
+              <a:t>::after</a:t>
+            </a:r>
+            <a:r>
+              <a:rPr lang="bg">
+                <a:solidFill>
+                  <a:schemeClr val="accent1"/>
+                </a:solidFill>
+              </a:rPr>
+              <a:t> element is like the ::before element, but it puts the element after.</a:t>
+            </a:r>
+            <a:endParaRPr>
+              <a:solidFill>
+                <a:schemeClr val="accent1"/>
+              </a:solidFill>
+            </a:endParaRPr>
+          </a:p>
+        </p:txBody>
+      </p:sp>
+    </p:spTree>
+  </p:cSld>
+  <p:clrMapOvr>
+    <a:masterClrMapping/>
+  </p:clrMapOvr>
+  <p:timing>
+    <p:tnLst>
+      <p:par>
+        <p:cTn dur="indefinite" nodeType="tmRoot" restart="never">
+          <p:childTnLst>
+            <p:seq concurrent="1" nextAc="seek">
+              <p:cTn dur="indefinite" id="2" nodeType="mainSeq">
+                <p:childTnLst>
+                  <p:par>
+                    <p:cTn fill="hold">
+                      <p:stCondLst>
+                        <p:cond delay="indefinite"/>
+                      </p:stCondLst>
+                      <p:childTnLst>
+                        <p:par>
+                          <p:cTn fill="hold">
+                            <p:stCondLst>
+                              <p:cond delay="0"/>
+                            </p:stCondLst>
+                            <p:childTnLst>
+                              <p:par>
+                                <p:cTn fill="hold" nodeType="clickEffect" presetClass="entr" presetID="10" presetSubtype="0">
+                                  <p:stCondLst>
+                                    <p:cond delay="0"/>
+                                  </p:stCondLst>
+                                  <p:childTnLst>
+                                    <p:set>
+                                      <p:cBhvr>
+                                        <p:cTn dur="1" fill="hold">
+                                          <p:stCondLst>
+                                            <p:cond delay="0"/>
+                                          </p:stCondLst>
+                                        </p:cTn>
+                                        <p:tgtEl>
+                                          <p:spTgt spid="288"/>
+                                        </p:tgtEl>
+                                        <p:attrNameLst>
+                                          <p:attrName>style.visibility</p:attrName>
+                                        </p:attrNameLst>
+                                      </p:cBhvr>
+                                      <p:to>
+                                        <p:strVal val="visible"/>
+                                      </p:to>
+                                    </p:set>
+                                    <p:animEffect filter="fade" transition="in">
+                                      <p:cBhvr>
+                                        <p:cTn dur="1"/>
+                                        <p:tgtEl>
+                                          <p:spTgt spid="288"/>
+                                        </p:tgtEl>
+                                      </p:cBhvr>
+                                    </p:animEffect>
+                                  </p:childTnLst>
+                                </p:cTn>
+                              </p:par>
+                            </p:childTnLst>
+                          </p:cTn>
+                        </p:par>
+                      </p:childTnLst>
+                    </p:cTn>
+                  </p:par>
+                  <p:par>
+                    <p:cTn fill="hold">
+                      <p:stCondLst>
+                        <p:cond delay="indefinite"/>
+                      </p:stCondLst>
+                      <p:childTnLst>
+                        <p:par>
+                          <p:cTn fill="hold">
+                            <p:stCondLst>
+                              <p:cond delay="0"/>
+                            </p:stCondLst>
+                            <p:childTnLst>
+                              <p:par>
+                                <p:cTn fill="hold" nodeType="clickEffect" presetClass="entr" presetID="2" presetSubtype="4">
+                                  <p:stCondLst>
+                                    <p:cond delay="0"/>
+                                  </p:stCondLst>
+                                  <p:childTnLst>
+                                    <p:set>
+                                      <p:cBhvr>
+                                        <p:cTn dur="1" fill="hold">
+                                          <p:stCondLst>
+                                            <p:cond delay="0"/>
+                                          </p:stCondLst>
+                                        </p:cTn>
+                                        <p:tgtEl>
+                                          <p:spTgt spid="289"/>
+                                        </p:tgtEl>
+                                        <p:attrNameLst>
+                                          <p:attrName>style.visibility</p:attrName>
+                                        </p:attrNameLst>
+                                      </p:cBhvr>
+                                      <p:to>
+                                        <p:strVal val="visible"/>
+                                      </p:to>
+                                    </p:set>
+                                    <p:anim calcmode="lin" valueType="num">
+                                      <p:cBhvr additive="base">
+                                        <p:cTn dur="1000"/>
+                                        <p:tgtEl>
+                                          <p:spTgt spid="289"/>
+                                        </p:tgtEl>
+                                        <p:attrNameLst>
+                                          <p:attrName>ppt_y</p:attrName>
+                                        </p:attrNameLst>
+                                      </p:cBhvr>
+                                      <p:tavLst>
+                                        <p:tav fmla="" tm="0">
+                                          <p:val>
+                                            <p:strVal val="#ppt_y+1"/>
+                                          </p:val>
+                                        </p:tav>
+                                        <p:tav fmla="" tm="100000">
+                                          <p:val>
+                                            <p:strVal val="#ppt_y"/>
+                                          </p:val>
+                                        </p:tav>
+                                      </p:tavLst>
+                                    </p:anim>
+                                  </p:childTnLst>
+                                </p:cTn>
+                              </p:par>
+                            </p:childTnLst>
+                          </p:cTn>
+                        </p:par>
+                      </p:childTnLst>
+                    </p:cTn>
+                  </p:par>
+                </p:childTnLst>
+              </p:cTn>
+              <p:prevCondLst>
+                <p:cond evt="onPrev">
+                  <p:tgtEl>
+                    <p:sldTgt/>
+                  </p:tgtEl>
+                </p:cond>
+              </p:prevCondLst>
+              <p:nextCondLst>
+                <p:cond evt="onNext">
+                  <p:tgtEl>
+                    <p:sldTgt/>
+                  </p:tgtEl>
+                </p:cond>
+              </p:nextCondLst>
+            </p:seq>
+          </p:childTnLst>
+        </p:cTn>
+      </p:par>
+    </p:tnLst>
+  </p:timing>
+</p:sld>
+</file>
+
+<file path=ppt/slides/slide34.xml><?xml version="1.0" encoding="utf-8"?>
+<p:sld xmlns:a="http://schemas.openxmlformats.org/drawingml/2006/main" xmlns:r="http://schemas.openxmlformats.org/officeDocument/2006/relationships" xmlns:mc="http://schemas.openxmlformats.org/markup-compatibility/2006" xmlns:mv="urn:schemas-microsoft-com:mac:vml" xmlns:p="http://schemas.openxmlformats.org/presentationml/2006/main" xmlns:c="http://schemas.openxmlformats.org/drawingml/2006/chart" xmlns:dgm="http://schemas.openxmlformats.org/drawingml/2006/diagram" xmlns:o="urn:schemas-microsoft-com:office:office" xmlns:v="urn:schemas-microsoft-com:vml" xmlns:pvml="urn:schemas-microsoft-com:office:powerpoint" xmlns:com="http://schemas.openxmlformats.org/drawingml/2006/compatibility" xmlns:p14="http://schemas.microsoft.com/office/powerpoint/2010/main" xmlns:p15="http://schemas.microsoft.com/office/powerpoint/2012/main" xmlns:ahyp="http://schemas.microsoft.com/office/drawing/2018/hyperlinkcolor">
+  <p:cSld>
+    <p:spTree>
+      <p:nvGrpSpPr>
+        <p:cNvPr id="293" name="Shape 293"/>
+        <p:cNvGrpSpPr/>
+        <p:nvPr/>
+      </p:nvGrpSpPr>
+      <p:grpSpPr>
+        <a:xfrm>
+          <a:off x="0" y="0"/>
+          <a:ext cx="0" cy="0"/>
+          <a:chOff x="0" y="0"/>
+          <a:chExt cx="0" cy="0"/>
+        </a:xfrm>
+      </p:grpSpPr>
+      <p:sp>
+        <p:nvSpPr>
+          <p:cNvPr id="294" name="Google Shape;294;p46"/>
+          <p:cNvSpPr txBox="1"/>
+          <p:nvPr>
+            <p:ph type="title"/>
+          </p:nvPr>
+        </p:nvSpPr>
+        <p:spPr>
+          <a:xfrm>
+            <a:off x="2802750" y="802500"/>
+            <a:ext cx="3538500" cy="3538500"/>
+          </a:xfrm>
+          <a:prstGeom prst="rect">
+            <a:avLst/>
+          </a:prstGeom>
+        </p:spPr>
+        <p:txBody>
+          <a:bodyPr anchorCtr="0" anchor="ctr" bIns="91425" lIns="91425" spcFirstLastPara="1" rIns="91425" wrap="square" tIns="91425">
+            <a:normAutofit/>
+          </a:bodyPr>
+          <a:lstStyle/>
+          <a:p>
+            <a:pPr indent="0" lvl="0" marL="0" rtl="0" algn="ctr">
+              <a:spcBef>
+                <a:spcPts val="0"/>
+              </a:spcBef>
+              <a:spcAft>
+                <a:spcPts val="0"/>
+              </a:spcAft>
+              <a:buNone/>
+            </a:pPr>
+            <a:r>
+              <a:rPr lang="bg"/>
+              <a:t>homework</a:t>
+            </a:r>
+            <a:endParaRPr/>
+          </a:p>
+          <a:p>
+            <a:pPr indent="0" lvl="0" marL="0" rtl="0" algn="ctr">
+              <a:spcBef>
+                <a:spcPts val="0"/>
+              </a:spcBef>
+              <a:spcAft>
+                <a:spcPts val="0"/>
+              </a:spcAft>
+              <a:buNone/>
+            </a:pPr>
+            <a:r>
+              <a:rPr lang="bg"/>
+              <a:t>time</a:t>
+            </a:r>
+            <a:r>
+              <a:rPr lang="bg"/>
+              <a:t>🥳</a:t>
+            </a:r>
+            <a:endParaRPr/>
+          </a:p>
+        </p:txBody>
+      </p:sp>
+    </p:spTree>
+  </p:cSld>
+  <p:clrMapOvr>
+    <a:masterClrMapping/>
+  </p:clrMapOvr>
+  <p:timing>
+    <p:tnLst>
+      <p:par>
+        <p:cTn dur="indefinite" nodeType="tmRoot" restart="never">
+          <p:childTnLst>
+            <p:seq concurrent="1" nextAc="seek">
+              <p:cTn dur="indefinite" id="2" nodeType="mainSeq">
+                <p:childTnLst>
+                  <p:par>
+                    <p:cTn fill="hold">
+                      <p:stCondLst>
+                        <p:cond delay="indefinite"/>
+                      </p:stCondLst>
+                      <p:childTnLst>
+                        <p:par>
+                          <p:cTn fill="hold">
+                            <p:stCondLst>
+                              <p:cond delay="0"/>
+                            </p:stCondLst>
+                            <p:childTnLst>
+                              <p:par>
+                                <p:cTn fill="hold" nodeType="clickEffect" presetClass="entr" presetID="23" presetSubtype="16">
+                                  <p:stCondLst>
+                                    <p:cond delay="0"/>
+                                  </p:stCondLst>
+                                  <p:childTnLst>
+                                    <p:set>
+                                      <p:cBhvr>
+                                        <p:cTn dur="1" fill="hold">
+                                          <p:stCondLst>
+                                            <p:cond delay="0"/>
+                                          </p:stCondLst>
+                                        </p:cTn>
+                                        <p:tgtEl>
+                                          <p:spTgt spid="294"/>
+                                        </p:tgtEl>
+                                        <p:attrNameLst>
+                                          <p:attrName>style.visibility</p:attrName>
+                                        </p:attrNameLst>
+                                      </p:cBhvr>
+                                      <p:to>
+                                        <p:strVal val="visible"/>
+                                      </p:to>
+                                    </p:set>
+                                    <p:anim calcmode="lin" valueType="num">
+                                      <p:cBhvr additive="base">
+                                        <p:cTn dur="1000"/>
+                                        <p:tgtEl>
+                                          <p:spTgt spid="294"/>
+                                        </p:tgtEl>
+                                        <p:attrNameLst>
+                                          <p:attrName>ppt_w</p:attrName>
+                                        </p:attrNameLst>
+                                      </p:cBhvr>
+                                      <p:tavLst>
+                                        <p:tav fmla="" tm="0">
+                                          <p:val>
+                                            <p:strVal val="0"/>
+                                          </p:val>
+                                        </p:tav>
+                                        <p:tav fmla="" tm="100000">
+                                          <p:val>
+                                            <p:strVal val="#ppt_w"/>
+                                          </p:val>
+                                        </p:tav>
+                                      </p:tavLst>
+                                    </p:anim>
+                                    <p:anim calcmode="lin" valueType="num">
+                                      <p:cBhvr additive="base">
+                                        <p:cTn dur="1000"/>
+                                        <p:tgtEl>
+                                          <p:spTgt spid="294"/>
+                                        </p:tgtEl>
+                                        <p:attrNameLst>
+                                          <p:attrName>ppt_h</p:attrName>
+                                        </p:attrNameLst>
+                                      </p:cBhvr>
+                                      <p:tavLst>
+                                        <p:tav fmla="" tm="0">
+                                          <p:val>
+                                            <p:strVal val="0"/>
+                                          </p:val>
+                                        </p:tav>
+                                        <p:tav fmla="" tm="100000">
+                                          <p:val>
+                                            <p:strVal val="#ppt_h"/>
+                                          </p:val>
+                                        </p:tav>
+                                      </p:tavLst>
+                                    </p:anim>
+                                  </p:childTnLst>
+                                </p:cTn>
+                              </p:par>
+                            </p:childTnLst>
+                          </p:cTn>
+                        </p:par>
+                      </p:childTnLst>
+                    </p:cTn>
+                  </p:par>
+                </p:childTnLst>
+              </p:cTn>
+              <p:prevCondLst>
+                <p:cond evt="onPrev">
+                  <p:tgtEl>
+                    <p:sldTgt/>
+                  </p:tgtEl>
+                </p:cond>
+              </p:prevCondLst>
+              <p:nextCondLst>
+                <p:cond evt="onNext">
+                  <p:tgtEl>
+                    <p:sldTgt/>
+                  </p:tgtEl>
+                </p:cond>
+              </p:nextCondLst>
+            </p:seq>
+          </p:childTnLst>
+        </p:cTn>
+      </p:par>
+    </p:tnLst>
+  </p:timing>
+</p:sld>
+</file>
+
+<file path=ppt/slides/slide35.xml><?xml version="1.0" encoding="utf-8"?>
+<p:sld xmlns:a="http://schemas.openxmlformats.org/drawingml/2006/main" xmlns:r="http://schemas.openxmlformats.org/officeDocument/2006/relationships" xmlns:mc="http://schemas.openxmlformats.org/markup-compatibility/2006" xmlns:mv="urn:schemas-microsoft-com:mac:vml" xmlns:p="http://schemas.openxmlformats.org/presentationml/2006/main" xmlns:c="http://schemas.openxmlformats.org/drawingml/2006/chart" xmlns:dgm="http://schemas.openxmlformats.org/drawingml/2006/diagram" xmlns:o="urn:schemas-microsoft-com:office:office" xmlns:v="urn:schemas-microsoft-com:vml" xmlns:pvml="urn:schemas-microsoft-com:office:powerpoint" xmlns:com="http://schemas.openxmlformats.org/drawingml/2006/compatibility" xmlns:p14="http://schemas.microsoft.com/office/powerpoint/2010/main" xmlns:p15="http://schemas.microsoft.com/office/powerpoint/2012/main" xmlns:ahyp="http://schemas.microsoft.com/office/drawing/2018/hyperlinkcolor">
+  <p:cSld>
+    <p:spTree>
+      <p:nvGrpSpPr>
+        <p:cNvPr id="298" name="Shape 298"/>
+        <p:cNvGrpSpPr/>
+        <p:nvPr/>
+      </p:nvGrpSpPr>
+      <p:grpSpPr>
+        <a:xfrm>
+          <a:off x="0" y="0"/>
+          <a:ext cx="0" cy="0"/>
+          <a:chOff x="0" y="0"/>
+          <a:chExt cx="0" cy="0"/>
+        </a:xfrm>
+      </p:grpSpPr>
+      <p:sp>
+        <p:nvSpPr>
+          <p:cNvPr id="299" name="Google Shape;299;p47"/>
+          <p:cNvSpPr txBox="1"/>
+          <p:nvPr>
+            <p:ph type="title"/>
+          </p:nvPr>
+        </p:nvSpPr>
+        <p:spPr>
+          <a:xfrm>
+            <a:off x="311700" y="292850"/>
+            <a:ext cx="8520600" cy="801000"/>
+          </a:xfrm>
+          <a:prstGeom prst="rect">
+            <a:avLst/>
+          </a:prstGeom>
+        </p:spPr>
+        <p:txBody>
+          <a:bodyPr anchorCtr="0" anchor="t" bIns="91425" lIns="91425" spcFirstLastPara="1" rIns="91425" wrap="square" tIns="91425">
+            <a:normAutofit fontScale="90000"/>
+          </a:bodyPr>
+          <a:lstStyle/>
+          <a:p>
+            <a:pPr indent="0" lvl="0" marL="0" rtl="0" algn="l">
+              <a:spcBef>
+                <a:spcPts val="0"/>
+              </a:spcBef>
+              <a:spcAft>
+                <a:spcPts val="0"/>
+              </a:spcAft>
+              <a:buNone/>
+            </a:pPr>
+            <a:r>
+              <a:rPr lang="bg"/>
+              <a:t>Homework:</a:t>
+            </a:r>
+            <a:endParaRPr/>
+          </a:p>
+        </p:txBody>
+      </p:sp>
+      <p:sp>
+        <p:nvSpPr>
+          <p:cNvPr id="300" name="Google Shape;300;p47"/>
+          <p:cNvSpPr txBox="1"/>
+          <p:nvPr>
+            <p:ph idx="1" type="body"/>
+          </p:nvPr>
+        </p:nvSpPr>
+        <p:spPr>
+          <a:xfrm>
+            <a:off x="311700" y="1228675"/>
+            <a:ext cx="8520600" cy="3340200"/>
+          </a:xfrm>
+          <a:prstGeom prst="rect">
+            <a:avLst/>
+          </a:prstGeom>
+        </p:spPr>
+        <p:txBody>
+          <a:bodyPr anchorCtr="0" anchor="t" bIns="91425" lIns="91425" spcFirstLastPara="1" rIns="91425" wrap="square" tIns="91425">
+            <a:normAutofit/>
+          </a:bodyPr>
+          <a:lstStyle/>
+          <a:p>
+            <a:pPr indent="0" lvl="0" marL="0" rtl="0" algn="l">
+              <a:spcBef>
+                <a:spcPts val="0"/>
+              </a:spcBef>
+              <a:spcAft>
+                <a:spcPts val="1200"/>
+              </a:spcAft>
+              <a:buNone/>
+            </a:pPr>
+            <a:r>
+              <a:rPr lang="bg">
+                <a:solidFill>
+                  <a:schemeClr val="accent1"/>
+                </a:solidFill>
+              </a:rPr>
+              <a:t>Create the following button based on the </a:t>
+            </a:r>
+            <a:r>
+              <a:rPr lang="bg">
+                <a:solidFill>
+                  <a:schemeClr val="accent1"/>
+                </a:solidFill>
+              </a:rPr>
+              <a:t>knowledge</a:t>
+            </a:r>
+            <a:r>
+              <a:rPr lang="bg">
+                <a:solidFill>
+                  <a:schemeClr val="accent1"/>
+                </a:solidFill>
+              </a:rPr>
+              <a:t> you </a:t>
+            </a:r>
+            <a:r>
+              <a:rPr lang="bg">
+                <a:solidFill>
+                  <a:schemeClr val="accent1"/>
+                </a:solidFill>
+              </a:rPr>
+              <a:t>acquired</a:t>
+            </a:r>
+            <a:r>
+              <a:rPr lang="bg">
+                <a:solidFill>
+                  <a:schemeClr val="accent1"/>
+                </a:solidFill>
+              </a:rPr>
+              <a:t> today. Use flexbox to </a:t>
+            </a:r>
+            <a:r>
+              <a:rPr lang="bg">
+                <a:solidFill>
+                  <a:schemeClr val="accent5"/>
+                </a:solidFill>
+              </a:rPr>
+              <a:t>center the button</a:t>
+            </a:r>
+            <a:r>
+              <a:rPr lang="bg">
+                <a:solidFill>
+                  <a:schemeClr val="accent1"/>
+                </a:solidFill>
+              </a:rPr>
+              <a:t> both horizontally and vertically. The button does not have a border so use </a:t>
+            </a:r>
+            <a:r>
+              <a:rPr lang="bg">
+                <a:solidFill>
+                  <a:schemeClr val="accent5"/>
+                </a:solidFill>
+              </a:rPr>
+              <a:t>border:none;</a:t>
+            </a:r>
+            <a:r>
+              <a:rPr lang="bg">
+                <a:solidFill>
+                  <a:schemeClr val="accent1"/>
+                </a:solidFill>
+              </a:rPr>
+              <a:t>. For the color use </a:t>
+            </a:r>
+            <a:r>
+              <a:rPr lang="bg">
+                <a:solidFill>
+                  <a:schemeClr val="accent5"/>
+                </a:solidFill>
+              </a:rPr>
+              <a:t>red</a:t>
+            </a:r>
+            <a:r>
+              <a:rPr lang="bg">
+                <a:solidFill>
+                  <a:schemeClr val="accent1"/>
+                </a:solidFill>
+              </a:rPr>
+              <a:t>. Make the </a:t>
+            </a:r>
+            <a:r>
+              <a:rPr lang="bg">
+                <a:solidFill>
+                  <a:schemeClr val="accent5"/>
+                </a:solidFill>
+              </a:rPr>
+              <a:t>cursor pointer </a:t>
+            </a:r>
+            <a:r>
+              <a:rPr lang="bg">
+                <a:solidFill>
+                  <a:schemeClr val="accent1"/>
+                </a:solidFill>
+              </a:rPr>
+              <a:t>and all transitions should be </a:t>
+            </a:r>
+            <a:r>
+              <a:rPr lang="bg">
+                <a:solidFill>
+                  <a:schemeClr val="accent5"/>
+                </a:solidFill>
+              </a:rPr>
+              <a:t>0.15s</a:t>
+            </a:r>
+            <a:r>
+              <a:rPr lang="bg">
+                <a:solidFill>
+                  <a:schemeClr val="accent1"/>
+                </a:solidFill>
+              </a:rPr>
+              <a:t>!</a:t>
+            </a:r>
+            <a:endParaRPr>
+              <a:solidFill>
+                <a:schemeClr val="accent1"/>
+              </a:solidFill>
+            </a:endParaRPr>
+          </a:p>
+        </p:txBody>
+      </p:sp>
+      <p:pic>
+        <p:nvPicPr>
+          <p:cNvPr id="301" name="Google Shape;301;p47"/>
+          <p:cNvPicPr preferRelativeResize="0"/>
+          <p:nvPr/>
+        </p:nvPicPr>
+        <p:blipFill>
+          <a:blip r:embed="rId3">
+            <a:alphaModFix/>
+          </a:blip>
+          <a:stretch>
+            <a:fillRect/>
+          </a:stretch>
+        </p:blipFill>
+        <p:spPr>
+          <a:xfrm>
+            <a:off x="311725" y="3096025"/>
+            <a:ext cx="2519575" cy="1056925"/>
+          </a:xfrm>
+          <a:prstGeom prst="rect">
+            <a:avLst/>
+          </a:prstGeom>
+          <a:noFill/>
+          <a:ln>
+            <a:noFill/>
+          </a:ln>
+        </p:spPr>
+      </p:pic>
+      <p:pic>
+        <p:nvPicPr>
+          <p:cNvPr id="302" name="Google Shape;302;p47"/>
+          <p:cNvPicPr preferRelativeResize="0"/>
+          <p:nvPr/>
+        </p:nvPicPr>
+        <p:blipFill>
+          <a:blip r:embed="rId4">
+            <a:alphaModFix/>
+          </a:blip>
+          <a:stretch>
+            <a:fillRect/>
+          </a:stretch>
+        </p:blipFill>
+        <p:spPr>
+          <a:xfrm>
+            <a:off x="3171688" y="3075462"/>
+            <a:ext cx="2567300" cy="1098050"/>
+          </a:xfrm>
+          <a:prstGeom prst="rect">
+            <a:avLst/>
+          </a:prstGeom>
+          <a:noFill/>
+          <a:ln>
+            <a:noFill/>
+          </a:ln>
+        </p:spPr>
+      </p:pic>
+      <p:pic>
+        <p:nvPicPr>
+          <p:cNvPr id="303" name="Google Shape;303;p47"/>
+          <p:cNvPicPr preferRelativeResize="0"/>
+          <p:nvPr/>
+        </p:nvPicPr>
+        <p:blipFill>
+          <a:blip r:embed="rId5">
+            <a:alphaModFix/>
+          </a:blip>
+          <a:stretch>
+            <a:fillRect/>
+          </a:stretch>
+        </p:blipFill>
+        <p:spPr>
+          <a:xfrm>
+            <a:off x="6079400" y="3104035"/>
+            <a:ext cx="2567300" cy="1040915"/>
+          </a:xfrm>
+          <a:prstGeom prst="rect">
+            <a:avLst/>
+          </a:prstGeom>
+          <a:noFill/>
+          <a:ln>
+            <a:noFill/>
+          </a:ln>
+        </p:spPr>
+      </p:pic>
+      <p:sp>
+        <p:nvSpPr>
+          <p:cNvPr id="304" name="Google Shape;304;p47"/>
+          <p:cNvSpPr txBox="1"/>
+          <p:nvPr/>
+        </p:nvSpPr>
+        <p:spPr>
+          <a:xfrm>
+            <a:off x="977650" y="3971675"/>
+            <a:ext cx="1187700" cy="461700"/>
+          </a:xfrm>
+          <a:prstGeom prst="rect">
+            <a:avLst/>
+          </a:prstGeom>
+          <a:noFill/>
+          <a:ln>
+            <a:noFill/>
+          </a:ln>
+        </p:spPr>
+        <p:txBody>
+          <a:bodyPr anchorCtr="0" anchor="t" bIns="91425" lIns="91425" spcFirstLastPara="1" rIns="91425" wrap="square" tIns="91425">
+            <a:spAutoFit/>
+          </a:bodyPr>
+          <a:lstStyle/>
+          <a:p>
+            <a:pPr indent="0" lvl="0" marL="0" rtl="0" algn="l">
+              <a:spcBef>
+                <a:spcPts val="0"/>
+              </a:spcBef>
+              <a:spcAft>
+                <a:spcPts val="0"/>
+              </a:spcAft>
+              <a:buNone/>
+            </a:pPr>
+            <a:r>
+              <a:rPr lang="bg" sz="1800">
+                <a:solidFill>
+                  <a:schemeClr val="dk2"/>
+                </a:solidFill>
+                <a:latin typeface="Source Code Pro"/>
+                <a:ea typeface="Source Code Pro"/>
+                <a:cs typeface="Source Code Pro"/>
+                <a:sym typeface="Source Code Pro"/>
+              </a:rPr>
+              <a:t>default</a:t>
+            </a:r>
+            <a:endParaRPr sz="1800">
+              <a:solidFill>
+                <a:schemeClr val="dk2"/>
+              </a:solidFill>
+              <a:latin typeface="Source Code Pro"/>
+              <a:ea typeface="Source Code Pro"/>
+              <a:cs typeface="Source Code Pro"/>
+              <a:sym typeface="Source Code Pro"/>
+            </a:endParaRPr>
+          </a:p>
+        </p:txBody>
+      </p:sp>
+      <p:sp>
+        <p:nvSpPr>
+          <p:cNvPr id="305" name="Google Shape;305;p47"/>
+          <p:cNvSpPr txBox="1"/>
+          <p:nvPr/>
+        </p:nvSpPr>
+        <p:spPr>
+          <a:xfrm>
+            <a:off x="3861500" y="3971675"/>
+            <a:ext cx="1187700" cy="461700"/>
+          </a:xfrm>
+          <a:prstGeom prst="rect">
+            <a:avLst/>
+          </a:prstGeom>
+          <a:noFill/>
+          <a:ln>
+            <a:noFill/>
+          </a:ln>
+        </p:spPr>
+        <p:txBody>
+          <a:bodyPr anchorCtr="0" anchor="t" bIns="91425" lIns="91425" spcFirstLastPara="1" rIns="91425" wrap="square" tIns="91425">
+            <a:spAutoFit/>
+          </a:bodyPr>
+          <a:lstStyle/>
+          <a:p>
+            <a:pPr indent="0" lvl="0" marL="0" rtl="0" algn="l">
+              <a:spcBef>
+                <a:spcPts val="0"/>
+              </a:spcBef>
+              <a:spcAft>
+                <a:spcPts val="0"/>
+              </a:spcAft>
+              <a:buNone/>
+            </a:pPr>
+            <a:r>
+              <a:rPr lang="bg" sz="1800">
+                <a:solidFill>
+                  <a:schemeClr val="dk2"/>
+                </a:solidFill>
+                <a:latin typeface="Source Code Pro"/>
+                <a:ea typeface="Source Code Pro"/>
+                <a:cs typeface="Source Code Pro"/>
+                <a:sym typeface="Source Code Pro"/>
+              </a:rPr>
+              <a:t>hovered</a:t>
+            </a:r>
+            <a:endParaRPr sz="1800">
+              <a:solidFill>
+                <a:schemeClr val="dk2"/>
+              </a:solidFill>
+              <a:latin typeface="Source Code Pro"/>
+              <a:ea typeface="Source Code Pro"/>
+              <a:cs typeface="Source Code Pro"/>
+              <a:sym typeface="Source Code Pro"/>
+            </a:endParaRPr>
+          </a:p>
+        </p:txBody>
+      </p:sp>
+      <p:sp>
+        <p:nvSpPr>
+          <p:cNvPr id="306" name="Google Shape;306;p47"/>
+          <p:cNvSpPr txBox="1"/>
+          <p:nvPr/>
+        </p:nvSpPr>
+        <p:spPr>
+          <a:xfrm>
+            <a:off x="6808650" y="3971675"/>
+            <a:ext cx="1108800" cy="461700"/>
+          </a:xfrm>
+          <a:prstGeom prst="rect">
+            <a:avLst/>
+          </a:prstGeom>
+          <a:noFill/>
+          <a:ln>
+            <a:noFill/>
+          </a:ln>
+        </p:spPr>
+        <p:txBody>
+          <a:bodyPr anchorCtr="0" anchor="t" bIns="91425" lIns="91425" spcFirstLastPara="1" rIns="91425" wrap="square" tIns="91425">
+            <a:spAutoFit/>
+          </a:bodyPr>
+          <a:lstStyle/>
+          <a:p>
+            <a:pPr indent="0" lvl="0" marL="0" rtl="0" algn="l">
+              <a:spcBef>
+                <a:spcPts val="0"/>
+              </a:spcBef>
+              <a:spcAft>
+                <a:spcPts val="0"/>
+              </a:spcAft>
+              <a:buNone/>
+            </a:pPr>
+            <a:r>
+              <a:rPr lang="bg" sz="1800">
+                <a:solidFill>
+                  <a:schemeClr val="dk2"/>
+                </a:solidFill>
+                <a:latin typeface="Source Code Pro"/>
+                <a:ea typeface="Source Code Pro"/>
+                <a:cs typeface="Source Code Pro"/>
+                <a:sym typeface="Source Code Pro"/>
+              </a:rPr>
+              <a:t>active</a:t>
+            </a:r>
+            <a:endParaRPr sz="1800">
+              <a:solidFill>
+                <a:schemeClr val="dk2"/>
+              </a:solidFill>
+              <a:latin typeface="Source Code Pro"/>
+              <a:ea typeface="Source Code Pro"/>
+              <a:cs typeface="Source Code Pro"/>
+              <a:sym typeface="Source Code Pro"/>
+            </a:endParaRPr>
+          </a:p>
+        </p:txBody>
+      </p:sp>
+    </p:spTree>
+  </p:cSld>
+  <p:clrMapOvr>
+    <a:masterClrMapping/>
+  </p:clrMapOvr>
+  <p:timing>
+    <p:tnLst>
+      <p:par>
+        <p:cTn dur="indefinite" nodeType="tmRoot" restart="never">
+          <p:childTnLst>
+            <p:seq concurrent="1" nextAc="seek">
+              <p:cTn dur="indefinite" id="2" nodeType="mainSeq">
+                <p:childTnLst>
+                  <p:par>
+                    <p:cTn fill="hold">
+                      <p:stCondLst>
+                        <p:cond delay="indefinite"/>
+                      </p:stCondLst>
+                      <p:childTnLst>
+                        <p:par>
+                          <p:cTn fill="hold">
+                            <p:stCondLst>
+                              <p:cond delay="0"/>
+                            </p:stCondLst>
+                            <p:childTnLst>
+                              <p:par>
+                                <p:cTn fill="hold" nodeType="clickEffect" presetClass="entr" presetID="10" presetSubtype="0">
+                                  <p:stCondLst>
+                                    <p:cond delay="0"/>
+                                  </p:stCondLst>
+                                  <p:childTnLst>
+                                    <p:set>
+                                      <p:cBhvr>
+                                        <p:cTn dur="1" fill="hold">
+                                          <p:stCondLst>
+                                            <p:cond delay="0"/>
+                                          </p:stCondLst>
+                                        </p:cTn>
+                                        <p:tgtEl>
+                                          <p:spTgt spid="299"/>
+                                        </p:tgtEl>
+                                        <p:attrNameLst>
+                                          <p:attrName>style.visibility</p:attrName>
+                                        </p:attrNameLst>
+                                      </p:cBhvr>
+                                      <p:to>
+                                        <p:strVal val="visible"/>
+                                      </p:to>
+                                    </p:set>
+                                    <p:animEffect filter="fade" transition="in">
+                                      <p:cBhvr>
+                                        <p:cTn dur="1000"/>
+                                        <p:tgtEl>
+                                          <p:spTgt spid="299"/>
+                                        </p:tgtEl>
+                                      </p:cBhvr>
+                                    </p:animEffect>
+                                  </p:childTnLst>
+                                </p:cTn>
+                              </p:par>
+                            </p:childTnLst>
+                          </p:cTn>
+                        </p:par>
+                      </p:childTnLst>
+                    </p:cTn>
+                  </p:par>
+                  <p:par>
+                    <p:cTn fill="hold">
+                      <p:stCondLst>
+                        <p:cond delay="indefinite"/>
+                      </p:stCondLst>
+                      <p:childTnLst>
+                        <p:par>
+                          <p:cTn fill="hold">
+                            <p:stCondLst>
+                              <p:cond delay="0"/>
+                            </p:stCondLst>
+                            <p:childTnLst>
+                              <p:par>
+                                <p:cTn fill="hold" nodeType="clickEffect" presetClass="entr" presetID="2" presetSubtype="4">
+                                  <p:stCondLst>
+                                    <p:cond delay="0"/>
+                                  </p:stCondLst>
+                                  <p:childTnLst>
+                                    <p:set>
+                                      <p:cBhvr>
+                                        <p:cTn dur="1" fill="hold">
+                                          <p:stCondLst>
+                                            <p:cond delay="0"/>
+                                          </p:stCondLst>
+                                        </p:cTn>
+                                        <p:tgtEl>
+                                          <p:spTgt spid="300"/>
+                                        </p:tgtEl>
+                                        <p:attrNameLst>
+                                          <p:attrName>style.visibility</p:attrName>
+                                        </p:attrNameLst>
+                                      </p:cBhvr>
+                                      <p:to>
+                                        <p:strVal val="visible"/>
+                                      </p:to>
+                                    </p:set>
+                                    <p:anim calcmode="lin" valueType="num">
+                                      <p:cBhvr additive="base">
+                                        <p:cTn dur="1000"/>
+                                        <p:tgtEl>
+                                          <p:spTgt spid="300"/>
+                                        </p:tgtEl>
+                                        <p:attrNameLst>
+                                          <p:attrName>ppt_y</p:attrName>
+                                        </p:attrNameLst>
+                                      </p:cBhvr>
+                                      <p:tavLst>
+                                        <p:tav fmla="" tm="0">
+                                          <p:val>
+                                            <p:strVal val="#ppt_y+1"/>
+                                          </p:val>
+                                        </p:tav>
+                                        <p:tav fmla="" tm="100000">
+                                          <p:val>
+                                            <p:strVal val="#ppt_y"/>
+                                          </p:val>
+                                        </p:tav>
+                                      </p:tavLst>
+                                    </p:anim>
+                                  </p:childTnLst>
+                                </p:cTn>
+                              </p:par>
+                            </p:childTnLst>
+                          </p:cTn>
+                        </p:par>
+                      </p:childTnLst>
+                    </p:cTn>
+                  </p:par>
+                  <p:par>
+                    <p:cTn fill="hold">
+                      <p:stCondLst>
+                        <p:cond delay="indefinite"/>
+                      </p:stCondLst>
+                      <p:childTnLst>
+                        <p:par>
+                          <p:cTn fill="hold">
+                            <p:stCondLst>
+                              <p:cond delay="0"/>
+                            </p:stCondLst>
+                            <p:childTnLst>
+                              <p:par>
+                                <p:cTn fill="hold" nodeType="clickEffect" presetClass="entr" presetID="2" presetSubtype="8">
+                                  <p:stCondLst>
+                                    <p:cond delay="0"/>
+                                  </p:stCondLst>
+                                  <p:childTnLst>
+                                    <p:set>
+                                      <p:cBhvr>
+                                        <p:cTn dur="1" fill="hold">
+                                          <p:stCondLst>
+                                            <p:cond delay="0"/>
+                                          </p:stCondLst>
+                                        </p:cTn>
+                                        <p:tgtEl>
+                                          <p:spTgt spid="301"/>
+                                        </p:tgtEl>
+                                        <p:attrNameLst>
+                                          <p:attrName>style.visibility</p:attrName>
+                                        </p:attrNameLst>
+                                      </p:cBhvr>
+                                      <p:to>
+                                        <p:strVal val="visible"/>
+                                      </p:to>
+                                    </p:set>
+                                    <p:anim calcmode="lin" valueType="num">
+                                      <p:cBhvr additive="base">
+                                        <p:cTn dur="1000"/>
+                                        <p:tgtEl>
+                                          <p:spTgt spid="301"/>
+                                        </p:tgtEl>
+                                        <p:attrNameLst>
+                                          <p:attrName>ppt_x</p:attrName>
+                                        </p:attrNameLst>
+                                      </p:cBhvr>
+                                      <p:tavLst>
+                                        <p:tav fmla="" tm="0">
+                                          <p:val>
+                                            <p:strVal val="#ppt_x-1"/>
+                                          </p:val>
+                                        </p:tav>
+                                        <p:tav fmla="" tm="100000">
+                                          <p:val>
+                                            <p:strVal val="#ppt_x"/>
+                                          </p:val>
+                                        </p:tav>
+                                      </p:tavLst>
+                                    </p:anim>
+                                  </p:childTnLst>
+                                </p:cTn>
+                              </p:par>
+                              <p:par>
+                                <p:cTn fill="hold" nodeType="withEffect" presetClass="entr" presetID="2" presetSubtype="8">
+                                  <p:stCondLst>
+                                    <p:cond delay="0"/>
+                                  </p:stCondLst>
+                                  <p:childTnLst>
+                                    <p:set>
+                                      <p:cBhvr>
+                                        <p:cTn dur="1" fill="hold">
+                                          <p:stCondLst>
+                                            <p:cond delay="0"/>
+                                          </p:stCondLst>
+                                        </p:cTn>
+                                        <p:tgtEl>
+                                          <p:spTgt spid="302"/>
+                                        </p:tgtEl>
+                                        <p:attrNameLst>
+                                          <p:attrName>style.visibility</p:attrName>
+                                        </p:attrNameLst>
+                                      </p:cBhvr>
+                                      <p:to>
+                                        <p:strVal val="visible"/>
+                                      </p:to>
+                                    </p:set>
+                                    <p:anim calcmode="lin" valueType="num">
+                                      <p:cBhvr additive="base">
+                                        <p:cTn dur="900"/>
+                                        <p:tgtEl>
+                                          <p:spTgt spid="302"/>
+                                        </p:tgtEl>
+                                        <p:attrNameLst>
+                                          <p:attrName>ppt_x</p:attrName>
+                                        </p:attrNameLst>
+                                      </p:cBhvr>
+                                      <p:tavLst>
+                                        <p:tav fmla="" tm="0">
+                                          <p:val>
+                                            <p:strVal val="#ppt_x-1"/>
+                                          </p:val>
+                                        </p:tav>
+                                        <p:tav fmla="" tm="100000">
+                                          <p:val>
+                                            <p:strVal val="#ppt_x"/>
+                                          </p:val>
+                                        </p:tav>
+                                      </p:tavLst>
+                                    </p:anim>
+                                  </p:childTnLst>
+                                </p:cTn>
+                              </p:par>
+                              <p:par>
+                                <p:cTn fill="hold" nodeType="withEffect" presetClass="entr" presetID="2" presetSubtype="8">
+                                  <p:stCondLst>
+                                    <p:cond delay="0"/>
+                                  </p:stCondLst>
+                                  <p:childTnLst>
+                                    <p:set>
+                                      <p:cBhvr>
+                                        <p:cTn dur="1" fill="hold">
+                                          <p:stCondLst>
+                                            <p:cond delay="0"/>
+                                          </p:stCondLst>
+                                        </p:cTn>
+                                        <p:tgtEl>
+                                          <p:spTgt spid="303"/>
+                                        </p:tgtEl>
+                                        <p:attrNameLst>
+                                          <p:attrName>style.visibility</p:attrName>
+                                        </p:attrNameLst>
+                                      </p:cBhvr>
+                                      <p:to>
+                                        <p:strVal val="visible"/>
+                                      </p:to>
+                                    </p:set>
+                                    <p:anim calcmode="lin" valueType="num">
+                                      <p:cBhvr additive="base">
+                                        <p:cTn dur="1000"/>
+                                        <p:tgtEl>
+                                          <p:spTgt spid="303"/>
+                                        </p:tgtEl>
+                                        <p:attrNameLst>
+                                          <p:attrName>ppt_x</p:attrName>
+                                        </p:attrNameLst>
+                                      </p:cBhvr>
+                                      <p:tavLst>
+                                        <p:tav fmla="" tm="0">
+                                          <p:val>
+                                            <p:strVal val="#ppt_x-1"/>
+                                          </p:val>
+                                        </p:tav>
+                                        <p:tav fmla="" tm="100000">
+                                          <p:val>
+                                            <p:strVal val="#ppt_x"/>
+                                          </p:val>
+                                        </p:tav>
+                                      </p:tavLst>
+                                    </p:anim>
+                                  </p:childTnLst>
+                                </p:cTn>
+                              </p:par>
+                            </p:childTnLst>
+                          </p:cTn>
+                        </p:par>
+                      </p:childTnLst>
+                    </p:cTn>
+                  </p:par>
+                  <p:par>
+                    <p:cTn fill="hold">
+                      <p:stCondLst>
+                        <p:cond delay="indefinite"/>
+                      </p:stCondLst>
+                      <p:childTnLst>
+                        <p:par>
+                          <p:cTn fill="hold">
+                            <p:stCondLst>
+                              <p:cond delay="0"/>
+                            </p:stCondLst>
+                            <p:childTnLst>
+                              <p:par>
+                                <p:cTn fill="hold" nodeType="clickEffect" presetClass="entr" presetID="2" presetSubtype="8">
+                                  <p:stCondLst>
+                                    <p:cond delay="0"/>
+                                  </p:stCondLst>
+                                  <p:childTnLst>
+                                    <p:set>
+                                      <p:cBhvr>
+                                        <p:cTn dur="1" fill="hold">
+                                          <p:stCondLst>
+                                            <p:cond delay="0"/>
+                                          </p:stCondLst>
+                                        </p:cTn>
+                                        <p:tgtEl>
+                                          <p:spTgt spid="304"/>
+                                        </p:tgtEl>
+                                        <p:attrNameLst>
+                                          <p:attrName>style.visibility</p:attrName>
+                                        </p:attrNameLst>
+                                      </p:cBhvr>
+                                      <p:to>
+                                        <p:strVal val="visible"/>
+                                      </p:to>
+                                    </p:set>
+                                    <p:anim calcmode="lin" valueType="num">
+                                      <p:cBhvr additive="base">
+                                        <p:cTn dur="1000"/>
+                                        <p:tgtEl>
+                                          <p:spTgt spid="304"/>
+                                        </p:tgtEl>
+                                        <p:attrNameLst>
+                                          <p:attrName>ppt_x</p:attrName>
+                                        </p:attrNameLst>
+                                      </p:cBhvr>
+                                      <p:tavLst>
+                                        <p:tav fmla="" tm="0">
+                                          <p:val>
+                                            <p:strVal val="#ppt_x-1"/>
+                                          </p:val>
+                                        </p:tav>
+                                        <p:tav fmla="" tm="100000">
+                                          <p:val>
+                                            <p:strVal val="#ppt_x"/>
+                                          </p:val>
+                                        </p:tav>
+                                      </p:tavLst>
+                                    </p:anim>
+                                  </p:childTnLst>
+                                </p:cTn>
+                              </p:par>
+                              <p:par>
+                                <p:cTn fill="hold" nodeType="withEffect" presetClass="entr" presetID="2" presetSubtype="8">
+                                  <p:stCondLst>
+                                    <p:cond delay="0"/>
+                                  </p:stCondLst>
+                                  <p:childTnLst>
+                                    <p:set>
+                                      <p:cBhvr>
+                                        <p:cTn dur="1" fill="hold">
+                                          <p:stCondLst>
+                                            <p:cond delay="0"/>
+                                          </p:stCondLst>
+                                        </p:cTn>
+                                        <p:tgtEl>
+                                          <p:spTgt spid="305"/>
+                                        </p:tgtEl>
+                                        <p:attrNameLst>
+                                          <p:attrName>style.visibility</p:attrName>
+                                        </p:attrNameLst>
+                                      </p:cBhvr>
+                                      <p:to>
+                                        <p:strVal val="visible"/>
+                                      </p:to>
+                                    </p:set>
+                                    <p:anim calcmode="lin" valueType="num">
+                                      <p:cBhvr additive="base">
+                                        <p:cTn dur="1000"/>
+                                        <p:tgtEl>
+                                          <p:spTgt spid="305"/>
+                                        </p:tgtEl>
+                                        <p:attrNameLst>
+                                          <p:attrName>ppt_x</p:attrName>
+                                        </p:attrNameLst>
+                                      </p:cBhvr>
+                                      <p:tavLst>
+                                        <p:tav fmla="" tm="0">
+                                          <p:val>
+                                            <p:strVal val="#ppt_x-1"/>
+                                          </p:val>
+                                        </p:tav>
+                                        <p:tav fmla="" tm="100000">
+                                          <p:val>
+                                            <p:strVal val="#ppt_x"/>
+                                          </p:val>
+                                        </p:tav>
+                                      </p:tavLst>
+                                    </p:anim>
+                                  </p:childTnLst>
+                                </p:cTn>
+                              </p:par>
+                              <p:par>
+                                <p:cTn fill="hold" nodeType="withEffect" presetClass="entr" presetID="2" presetSubtype="8">
+                                  <p:stCondLst>
+                                    <p:cond delay="0"/>
+                                  </p:stCondLst>
+                                  <p:childTnLst>
+                                    <p:set>
+                                      <p:cBhvr>
+                                        <p:cTn dur="1" fill="hold">
+                                          <p:stCondLst>
+                                            <p:cond delay="0"/>
+                                          </p:stCondLst>
+                                        </p:cTn>
+                                        <p:tgtEl>
+                                          <p:spTgt spid="306"/>
+                                        </p:tgtEl>
+                                        <p:attrNameLst>
+                                          <p:attrName>style.visibility</p:attrName>
+                                        </p:attrNameLst>
+                                      </p:cBhvr>
+                                      <p:to>
+                                        <p:strVal val="visible"/>
+                                      </p:to>
+                                    </p:set>
+                                    <p:anim calcmode="lin" valueType="num">
+                                      <p:cBhvr additive="base">
+                                        <p:cTn dur="1000"/>
+                                        <p:tgtEl>
+                                          <p:spTgt spid="306"/>
+                                        </p:tgtEl>
+                                        <p:attrNameLst>
+                                          <p:attrName>ppt_x</p:attrName>
+                                        </p:attrNameLst>
+                                      </p:cBhvr>
+                                      <p:tavLst>
+                                        <p:tav fmla="" tm="0">
+                                          <p:val>
+                                            <p:strVal val="#ppt_x-1"/>
+                                          </p:val>
+                                        </p:tav>
+                                        <p:tav fmla="" tm="100000">
+                                          <p:val>
+                                            <p:strVal val="#ppt_x"/>
+                                          </p:val>
+                                        </p:tav>
+                                      </p:tavLst>
+                                    </p:anim>
+                                  </p:childTnLst>
+                                </p:cTn>
+                              </p:par>
+                            </p:childTnLst>
+                          </p:cTn>
+                        </p:par>
+                      </p:childTnLst>
+                    </p:cTn>
+                  </p:par>
+                </p:childTnLst>
+              </p:cTn>
+              <p:prevCondLst>
+                <p:cond evt="onPrev">
+                  <p:tgtEl>
+                    <p:sldTgt/>
+                  </p:tgtEl>
+                </p:cond>
+              </p:prevCondLst>
+              <p:nextCondLst>
+                <p:cond evt="onNext">
+                  <p:tgtEl>
+                    <p:sldTgt/>
+                  </p:tgtEl>
+                </p:cond>
+              </p:nextCondLst>
+            </p:seq>
+          </p:childTnLst>
+        </p:cTn>
+      </p:par>
+    </p:tnLst>
+  </p:timing>
+</p:sld>
+</file>
+
+<file path=ppt/slides/slide36.xml><?xml version="1.0" encoding="utf-8"?>
+<p:sld xmlns:a="http://schemas.openxmlformats.org/drawingml/2006/main" xmlns:r="http://schemas.openxmlformats.org/officeDocument/2006/relationships" xmlns:mc="http://schemas.openxmlformats.org/markup-compatibility/2006" xmlns:mv="urn:schemas-microsoft-com:mac:vml" xmlns:p="http://schemas.openxmlformats.org/presentationml/2006/main" xmlns:c="http://schemas.openxmlformats.org/drawingml/2006/chart" xmlns:dgm="http://schemas.openxmlformats.org/drawingml/2006/diagram" xmlns:o="urn:schemas-microsoft-com:office:office" xmlns:v="urn:schemas-microsoft-com:vml" xmlns:pvml="urn:schemas-microsoft-com:office:powerpoint" xmlns:com="http://schemas.openxmlformats.org/drawingml/2006/compatibility" xmlns:p14="http://schemas.microsoft.com/office/powerpoint/2010/main" xmlns:p15="http://schemas.microsoft.com/office/powerpoint/2012/main" xmlns:ahyp="http://schemas.microsoft.com/office/drawing/2018/hyperlinkcolor">
+  <p:cSld>
+    <p:spTree>
+      <p:nvGrpSpPr>
+        <p:cNvPr id="310" name="Shape 310"/>
+        <p:cNvGrpSpPr/>
+        <p:nvPr/>
+      </p:nvGrpSpPr>
+      <p:grpSpPr>
+        <a:xfrm>
+          <a:off x="0" y="0"/>
+          <a:ext cx="0" cy="0"/>
+          <a:chOff x="0" y="0"/>
+          <a:chExt cx="0" cy="0"/>
+        </a:xfrm>
+      </p:grpSpPr>
+      <p:sp>
+        <p:nvSpPr>
+          <p:cNvPr id="311" name="Google Shape;311;p48"/>
+          <p:cNvSpPr txBox="1"/>
+          <p:nvPr>
+            <p:ph type="ctrTitle"/>
+          </p:nvPr>
+        </p:nvSpPr>
+        <p:spPr>
+          <a:xfrm>
+            <a:off x="311700" y="392150"/>
+            <a:ext cx="8520600" cy="2690400"/>
+          </a:xfrm>
+          <a:prstGeom prst="rect">
+            <a:avLst/>
+          </a:prstGeom>
+        </p:spPr>
+        <p:txBody>
+          <a:bodyPr anchorCtr="0" anchor="ctr" bIns="91425" lIns="91425" spcFirstLastPara="1" rIns="91425" wrap="square" tIns="91425">
+            <a:normAutofit/>
+          </a:bodyPr>
+          <a:lstStyle/>
+          <a:p>
+            <a:pPr indent="0" lvl="0" marL="0" rtl="0" algn="ctr">
+              <a:spcBef>
+                <a:spcPts val="0"/>
+              </a:spcBef>
+              <a:spcAft>
+                <a:spcPts val="0"/>
+              </a:spcAft>
+              <a:buNone/>
+            </a:pPr>
+            <a:r>
+              <a:rPr lang="bg"/>
+              <a:t>Thank you for listening!</a:t>
+            </a:r>
+            <a:endParaRPr/>
+          </a:p>
+        </p:txBody>
+      </p:sp>
+      <p:sp>
+        <p:nvSpPr>
+          <p:cNvPr id="312" name="Google Shape;312;p48"/>
+          <p:cNvSpPr txBox="1"/>
+          <p:nvPr>
+            <p:ph idx="1" type="subTitle"/>
+          </p:nvPr>
+        </p:nvSpPr>
+        <p:spPr>
+          <a:xfrm>
+            <a:off x="311700" y="3890400"/>
+            <a:ext cx="8520600" cy="706200"/>
+          </a:xfrm>
+          <a:prstGeom prst="rect">
+            <a:avLst/>
+          </a:prstGeom>
+        </p:spPr>
+        <p:txBody>
+          <a:bodyPr anchorCtr="0" anchor="ctr" bIns="91425" lIns="91425" spcFirstLastPara="1" rIns="91425" wrap="square" tIns="91425">
+            <a:normAutofit/>
+          </a:bodyPr>
+          <a:lstStyle/>
+          <a:p>
+            <a:pPr indent="0" lvl="0" marL="0" rtl="0" algn="ctr">
+              <a:spcBef>
+                <a:spcPts val="0"/>
+              </a:spcBef>
+              <a:spcAft>
+                <a:spcPts val="0"/>
+              </a:spcAft>
+              <a:buNone/>
+            </a:pPr>
+            <a:r>
+              <a:rPr lang="bg"/>
+              <a:t>Yordan G. Yordanov</a:t>
+            </a:r>
+            <a:endParaRPr/>
+          </a:p>
+        </p:txBody>
+      </p:sp>
+    </p:spTree>
+  </p:cSld>
+  <p:clrMapOvr>
+    <a:masterClrMapping/>
+  </p:clrMapOvr>
+  <p:timing>
+    <p:tnLst>
+      <p:par>
+        <p:cTn dur="indefinite" nodeType="tmRoot" restart="never">
+          <p:childTnLst>
+            <p:seq concurrent="1" nextAc="seek">
+              <p:cTn dur="indefinite" id="2" nodeType="mainSeq">
+                <p:childTnLst>
+                  <p:par>
+                    <p:cTn fill="hold">
+                      <p:stCondLst>
+                        <p:cond delay="indefinite"/>
+                      </p:stCondLst>
+                      <p:childTnLst>
+                        <p:par>
+                          <p:cTn fill="hold">
+                            <p:stCondLst>
+                              <p:cond delay="0"/>
+                            </p:stCondLst>
+                            <p:childTnLst>
+                              <p:par>
+                                <p:cTn fill="hold" nodeType="clickEffect" presetClass="emph" presetID="8" presetSubtype="0">
+                                  <p:stCondLst>
+                                    <p:cond delay="0"/>
+                                  </p:stCondLst>
+                                  <p:childTnLst>
+                                    <p:animRot by="-21600000">
+                                      <p:cBhvr>
+                                        <p:cTn dur="1000" fill="hold"/>
+                                        <p:tgtEl>
+                                          <p:spTgt spid="311"/>
+                                        </p:tgtEl>
+                                        <p:attrNameLst>
+                                          <p:attrName>r</p:attrName>
+                                        </p:attrNameLst>
+                                      </p:cBhvr>
+                                    </p:animRot>
                                   </p:childTnLst>
                                 </p:cTn>
                               </p:par>
@@ -20512,6 +24018,9 @@
           </a:p>
           <a:p>
             <a:pPr indent="-355600" lvl="0" marL="457200" rtl="0" algn="l">
+              <a:lnSpc>
+                <a:spcPct val="150000"/>
+              </a:lnSpc>
               <a:spcBef>
                 <a:spcPts val="0"/>
               </a:spcBef>
@@ -20531,6 +24040,37 @@
                 </a:solidFill>
               </a:rPr>
               <a:t>Flexbox in detail</a:t>
+            </a:r>
+            <a:endParaRPr b="1" sz="2000">
+              <a:solidFill>
+                <a:schemeClr val="accent1"/>
+              </a:solidFill>
+            </a:endParaRPr>
+          </a:p>
+          <a:p>
+            <a:pPr indent="-355600" lvl="0" marL="457200" rtl="0" algn="l">
+              <a:lnSpc>
+                <a:spcPct val="150000"/>
+              </a:lnSpc>
+              <a:spcBef>
+                <a:spcPts val="0"/>
+              </a:spcBef>
+              <a:spcAft>
+                <a:spcPts val="0"/>
+              </a:spcAft>
+              <a:buClr>
+                <a:schemeClr val="accent1"/>
+              </a:buClr>
+              <a:buSzPts val="2000"/>
+              <a:buChar char="●"/>
+            </a:pPr>
+            <a:r>
+              <a:rPr b="1" lang="bg" sz="2000">
+                <a:solidFill>
+                  <a:schemeClr val="accent1"/>
+                </a:solidFill>
+              </a:rPr>
+              <a:t>Misc features</a:t>
             </a:r>
             <a:endParaRPr b="1" sz="2000">
               <a:solidFill>
